--- a/宣道詩/(宣道詩142) 彼此代禱.pptx
+++ b/宣道詩/(宣道詩142) 彼此代禱.pptx
@@ -5,20 +5,25 @@
     <p:sldMasterId id="2147483660" r:id="rId1"/>
   </p:sldMasterIdLst>
   <p:notesMasterIdLst>
-    <p:notesMasterId r:id="rId10"/>
+    <p:notesMasterId r:id="rId15"/>
   </p:notesMasterIdLst>
   <p:handoutMasterIdLst>
-    <p:handoutMasterId r:id="rId11"/>
+    <p:handoutMasterId r:id="rId16"/>
   </p:handoutMasterIdLst>
   <p:sldIdLst>
-    <p:sldId id="1608" r:id="rId2"/>
-    <p:sldId id="1609" r:id="rId3"/>
-    <p:sldId id="1610" r:id="rId4"/>
-    <p:sldId id="1611" r:id="rId5"/>
-    <p:sldId id="1612" r:id="rId6"/>
-    <p:sldId id="1613" r:id="rId7"/>
-    <p:sldId id="1614" r:id="rId8"/>
-    <p:sldId id="1615" r:id="rId9"/>
+    <p:sldId id="1616" r:id="rId2"/>
+    <p:sldId id="1617" r:id="rId3"/>
+    <p:sldId id="1618" r:id="rId4"/>
+    <p:sldId id="1619" r:id="rId5"/>
+    <p:sldId id="1620" r:id="rId6"/>
+    <p:sldId id="1621" r:id="rId7"/>
+    <p:sldId id="1622" r:id="rId8"/>
+    <p:sldId id="1623" r:id="rId9"/>
+    <p:sldId id="1624" r:id="rId10"/>
+    <p:sldId id="1625" r:id="rId11"/>
+    <p:sldId id="1626" r:id="rId12"/>
+    <p:sldId id="1627" r:id="rId13"/>
+    <p:sldId id="1628" r:id="rId14"/>
   </p:sldIdLst>
   <p:sldSz cx="12192000" cy="6858000"/>
   <p:notesSz cx="6858000" cy="9144000"/>
@@ -3724,294 +3729,739 @@
       </p:grpSpPr>
       <p:sp>
         <p:nvSpPr>
-          <p:cNvPr id="4" name="Title 3"/>
+          <p:cNvPr id="4" name="標題 3"/>
           <p:cNvSpPr>
             <a:spLocks noGrp="1"/>
           </p:cNvSpPr>
           <p:nvPr>
             <p:ph type="title"/>
           </p:nvPr>
-        </p:nvSpPr>
-        <p:spPr/>
-        <p:txBody>
-          <a:bodyPr>
-            <a:normAutofit/>
-          </a:bodyPr>
-          <a:lstStyle/>
-          <a:p>
-            <a:r>
-              <a:rPr lang="en-US" altLang="zh-CN" sz="4800" b="1" dirty="0">
-                <a:solidFill>
-                  <a:srgbClr val="002060"/>
-                </a:solidFill>
-                <a:latin typeface="Microsoft JhengHei" panose="020B0604030504040204" pitchFamily="34" charset="-120"/>
-                <a:ea typeface="Microsoft JhengHei" panose="020B0604030504040204" pitchFamily="34" charset="-120"/>
-              </a:rPr>
-              <a:t>【</a:t>
-            </a:r>
-            <a:r>
-              <a:rPr lang="zh-CN" altLang="en-US" sz="4800" b="1" dirty="0">
-                <a:solidFill>
-                  <a:srgbClr val="002060"/>
-                </a:solidFill>
-                <a:latin typeface="Microsoft JhengHei" panose="020B0604030504040204" pitchFamily="34" charset="-120"/>
-                <a:ea typeface="Microsoft JhengHei" panose="020B0604030504040204" pitchFamily="34" charset="-120"/>
-              </a:rPr>
-              <a:t>彼此代禱</a:t>
-            </a:r>
-            <a:r>
-              <a:rPr lang="en-US" altLang="zh-CN" sz="4800" b="1" dirty="0">
-                <a:solidFill>
-                  <a:srgbClr val="002060"/>
-                </a:solidFill>
-                <a:latin typeface="Microsoft JhengHei" panose="020B0604030504040204" pitchFamily="34" charset="-120"/>
-                <a:ea typeface="Microsoft JhengHei" panose="020B0604030504040204" pitchFamily="34" charset="-120"/>
-              </a:rPr>
-              <a:t>】</a:t>
-            </a:r>
-          </a:p>
-        </p:txBody>
-      </p:sp>
-      <p:sp>
-        <p:nvSpPr>
-          <p:cNvPr id="5" name="Content Placeholder 4"/>
-          <p:cNvSpPr>
-            <a:spLocks noGrp="1"/>
-          </p:cNvSpPr>
-          <p:nvPr>
-            <p:ph idx="1"/>
-          </p:nvPr>
-        </p:nvSpPr>
-        <p:spPr/>
-        <p:txBody>
-          <a:bodyPr>
-            <a:normAutofit/>
-          </a:bodyPr>
-          <a:lstStyle/>
-          <a:p>
-            <a:pPr marL="0" indent="0" algn="ctr">
-              <a:buNone/>
-            </a:pPr>
-            <a:r>
-              <a:rPr lang="zh-CN" altLang="zh-TW" sz="5400" b="1" dirty="0">
-                <a:solidFill>
-                  <a:srgbClr val="002060"/>
-                </a:solidFill>
-                <a:latin typeface="Microsoft JhengHei" panose="020B0604030504040204" pitchFamily="34" charset="-120"/>
-                <a:ea typeface="Microsoft JhengHei" panose="020B0604030504040204" pitchFamily="34" charset="-120"/>
-              </a:rPr>
-              <a:t>我們眾信</a:t>
-            </a:r>
-            <a:r>
-              <a:rPr lang="zh-CN" altLang="zh-TW" sz="5400" b="1" dirty="0">
-                <a:solidFill>
-                  <a:srgbClr val="002060"/>
-                </a:solidFill>
-                <a:latin typeface="Microsoft JhengHei" panose="020B0604030504040204" pitchFamily="34" charset="-120"/>
-                <a:ea typeface="Microsoft JhengHei" panose="020B0604030504040204" pitchFamily="34" charset="-120"/>
-              </a:rPr>
-              <a:t>徒本</a:t>
-            </a:r>
-            <a:r>
-              <a:rPr lang="zh-CN" altLang="zh-TW" sz="5400" b="1" dirty="0">
-                <a:solidFill>
-                  <a:srgbClr val="002060"/>
-                </a:solidFill>
-                <a:latin typeface="Microsoft JhengHei" panose="020B0604030504040204" pitchFamily="34" charset="-120"/>
-                <a:ea typeface="Microsoft JhengHei" panose="020B0604030504040204" pitchFamily="34" charset="-120"/>
-              </a:rPr>
-              <a:t>分中之首要</a:t>
-            </a:r>
-          </a:p>
-          <a:p>
-            <a:pPr marL="0" indent="0" algn="ctr">
-              <a:buNone/>
-            </a:pPr>
-            <a:r>
-              <a:rPr lang="zh-CN" altLang="zh-TW" sz="5400" b="1" dirty="0">
-                <a:solidFill>
-                  <a:srgbClr val="002060"/>
-                </a:solidFill>
-                <a:latin typeface="Microsoft JhengHei" panose="020B0604030504040204" pitchFamily="34" charset="-120"/>
-                <a:ea typeface="Microsoft JhengHei" panose="020B0604030504040204" pitchFamily="34" charset="-120"/>
-              </a:rPr>
-              <a:t>即舉聖潔</a:t>
-            </a:r>
-            <a:r>
-              <a:rPr lang="zh-CN" altLang="zh-TW" sz="5400" b="1" dirty="0">
-                <a:solidFill>
-                  <a:srgbClr val="002060"/>
-                </a:solidFill>
-                <a:latin typeface="Microsoft JhengHei" panose="020B0604030504040204" pitchFamily="34" charset="-120"/>
-                <a:ea typeface="Microsoft JhengHei" panose="020B0604030504040204" pitchFamily="34" charset="-120"/>
-              </a:rPr>
-              <a:t>手為</a:t>
-            </a:r>
-            <a:r>
-              <a:rPr lang="zh-CN" altLang="zh-TW" sz="5400" b="1" dirty="0">
-                <a:solidFill>
-                  <a:srgbClr val="002060"/>
-                </a:solidFill>
-                <a:latin typeface="Microsoft JhengHei" panose="020B0604030504040204" pitchFamily="34" charset="-120"/>
-                <a:ea typeface="Microsoft JhengHei" panose="020B0604030504040204" pitchFamily="34" charset="-120"/>
-              </a:rPr>
-              <a:t>萬人常代</a:t>
-            </a:r>
-            <a:r>
-              <a:rPr lang="zh-CN" altLang="zh-TW" sz="5400" b="1" dirty="0">
-                <a:solidFill>
-                  <a:srgbClr val="002060"/>
-                </a:solidFill>
-                <a:latin typeface="Microsoft JhengHei" panose="020B0604030504040204" pitchFamily="34" charset="-120"/>
-                <a:ea typeface="Microsoft JhengHei" panose="020B0604030504040204" pitchFamily="34" charset="-120"/>
-              </a:rPr>
-              <a:t>禱</a:t>
-            </a:r>
-            <a:endParaRPr lang="en-US" altLang="zh-CN" sz="5400" b="1" dirty="0">
-              <a:solidFill>
-                <a:srgbClr val="002060"/>
-              </a:solidFill>
-              <a:latin typeface="Microsoft JhengHei" panose="020B0604030504040204" pitchFamily="34" charset="-120"/>
-              <a:ea typeface="Microsoft JhengHei" panose="020B0604030504040204" pitchFamily="34" charset="-120"/>
-            </a:endParaRPr>
-          </a:p>
-          <a:p>
-            <a:pPr marL="0" indent="0" algn="ctr">
-              <a:buNone/>
-            </a:pPr>
-            <a:r>
-              <a:rPr lang="zh-CN" altLang="zh-TW" sz="5400" b="1" dirty="0">
-                <a:solidFill>
-                  <a:srgbClr val="002060"/>
-                </a:solidFill>
-                <a:latin typeface="Microsoft JhengHei" panose="020B0604030504040204" pitchFamily="34" charset="-120"/>
-                <a:ea typeface="Microsoft JhengHei" panose="020B0604030504040204" pitchFamily="34" charset="-120"/>
-              </a:rPr>
-              <a:t>切莫要輕忽</a:t>
-            </a:r>
-            <a:r>
-              <a:rPr lang="zh-CN" altLang="zh-TW" sz="5400" b="1" dirty="0">
-                <a:solidFill>
-                  <a:srgbClr val="002060"/>
-                </a:solidFill>
-                <a:latin typeface="Microsoft JhengHei" panose="020B0604030504040204" pitchFamily="34" charset="-120"/>
-                <a:ea typeface="Microsoft JhengHei" panose="020B0604030504040204" pitchFamily="34" charset="-120"/>
-              </a:rPr>
-              <a:t>你為</a:t>
-            </a:r>
-            <a:r>
-              <a:rPr lang="zh-CN" altLang="zh-TW" sz="5400" b="1" dirty="0">
-                <a:solidFill>
-                  <a:srgbClr val="002060"/>
-                </a:solidFill>
-                <a:latin typeface="Microsoft JhengHei" panose="020B0604030504040204" pitchFamily="34" charset="-120"/>
-                <a:ea typeface="Microsoft JhengHei" panose="020B0604030504040204" pitchFamily="34" charset="-120"/>
-              </a:rPr>
-              <a:t>祭司之責任</a:t>
-            </a:r>
-          </a:p>
-          <a:p>
-            <a:pPr marL="0" indent="0" algn="ctr">
-              <a:buNone/>
-            </a:pPr>
-            <a:r>
-              <a:rPr lang="zh-CN" altLang="zh-TW" sz="5400" b="1" dirty="0">
-                <a:solidFill>
-                  <a:srgbClr val="002060"/>
-                </a:solidFill>
-                <a:latin typeface="Microsoft JhengHei" panose="020B0604030504040204" pitchFamily="34" charset="-120"/>
-                <a:ea typeface="Microsoft JhengHei" panose="020B0604030504040204" pitchFamily="34" charset="-120"/>
-              </a:rPr>
-              <a:t>果能盡此</a:t>
-            </a:r>
-            <a:r>
-              <a:rPr lang="zh-CN" altLang="zh-TW" sz="5400" b="1" dirty="0">
-                <a:solidFill>
-                  <a:srgbClr val="002060"/>
-                </a:solidFill>
-                <a:latin typeface="Microsoft JhengHei" panose="020B0604030504040204" pitchFamily="34" charset="-120"/>
-                <a:ea typeface="Microsoft JhengHei" panose="020B0604030504040204" pitchFamily="34" charset="-120"/>
-              </a:rPr>
-              <a:t>職必</a:t>
-            </a:r>
-            <a:r>
-              <a:rPr lang="zh-CN" altLang="zh-TW" sz="5400" b="1" dirty="0">
-                <a:solidFill>
-                  <a:srgbClr val="002060"/>
-                </a:solidFill>
-                <a:latin typeface="Microsoft JhengHei" panose="020B0604030504040204" pitchFamily="34" charset="-120"/>
-                <a:ea typeface="Microsoft JhengHei" panose="020B0604030504040204" pitchFamily="34" charset="-120"/>
-              </a:rPr>
-              <a:t>蒙主樂垂</a:t>
-            </a:r>
-            <a:r>
-              <a:rPr lang="zh-CN" altLang="zh-TW" sz="5400" b="1" dirty="0">
-                <a:solidFill>
-                  <a:srgbClr val="002060"/>
-                </a:solidFill>
-                <a:latin typeface="Microsoft JhengHei" panose="020B0604030504040204" pitchFamily="34" charset="-120"/>
-                <a:ea typeface="Microsoft JhengHei" panose="020B0604030504040204" pitchFamily="34" charset="-120"/>
-              </a:rPr>
-              <a:t>允</a:t>
-            </a:r>
-            <a:endParaRPr lang="zh-CN" altLang="zh-TW" sz="5400" b="1" dirty="0">
-              <a:solidFill>
-                <a:srgbClr val="002060"/>
-              </a:solidFill>
-              <a:latin typeface="Microsoft JhengHei" panose="020B0604030504040204" pitchFamily="34" charset="-120"/>
-              <a:ea typeface="Microsoft JhengHei" panose="020B0604030504040204" pitchFamily="34" charset="-120"/>
-            </a:endParaRPr>
-          </a:p>
-        </p:txBody>
-      </p:sp>
-      <p:sp>
-        <p:nvSpPr>
-          <p:cNvPr id="6" name="Text Box 1"/>
-          <p:cNvSpPr txBox="1"/>
-          <p:nvPr/>
         </p:nvSpPr>
         <p:spPr>
           <a:xfrm>
-            <a:off x="407368" y="1772816"/>
-            <a:ext cx="1380490" cy="830997"/>
+            <a:off x="0" y="2660915"/>
+            <a:ext cx="12192000" cy="1143000"/>
           </a:xfrm>
-          <a:prstGeom prst="rect">
-            <a:avLst/>
-          </a:prstGeom>
-          <a:noFill/>
-          <a:ln w="9525">
-            <a:noFill/>
-            <a:miter lim="800000"/>
-          </a:ln>
         </p:spPr>
         <p:txBody>
-          <a:bodyPr wrap="square">
-            <a:spAutoFit/>
+          <a:bodyPr>
+            <a:noAutofit/>
           </a:bodyPr>
           <a:lstStyle/>
           <a:p>
-            <a:pPr algn="ctr"/>
-            <a:r>
-              <a:rPr lang="en-US" sz="4800" b="1" dirty="0">
-                <a:solidFill>
-                  <a:srgbClr val="002060"/>
-                </a:solidFill>
-              </a:rPr>
-              <a:t>1.</a:t>
-            </a:r>
+            <a:r>
+              <a:rPr lang="zh-CN" altLang="en-US" sz="5333" b="1" u="sng" dirty="0">
+                <a:solidFill>
+                  <a:srgbClr val="660033"/>
+                </a:solidFill>
+                <a:effectLst>
+                  <a:outerShdw blurRad="38100" dist="38100" dir="2700000" algn="tl">
+                    <a:srgbClr val="000000">
+                      <a:alpha val="43137"/>
+                    </a:srgbClr>
+                  </a:outerShdw>
+                </a:effectLst>
+                <a:latin typeface="微軟正黑體" pitchFamily="34" charset="-120"/>
+                <a:ea typeface="微軟正黑體" pitchFamily="34" charset="-120"/>
+              </a:rPr>
+              <a:t>宣道詩 </a:t>
+            </a:r>
+            <a:r>
+              <a:rPr lang="en-US" altLang="zh-CN" sz="5333" b="1" u="sng" dirty="0">
+                <a:solidFill>
+                  <a:srgbClr val="660033"/>
+                </a:solidFill>
+                <a:effectLst>
+                  <a:outerShdw blurRad="38100" dist="38100" dir="2700000" algn="tl">
+                    <a:srgbClr val="000000">
+                      <a:alpha val="43137"/>
+                    </a:srgbClr>
+                  </a:outerShdw>
+                </a:effectLst>
+                <a:latin typeface="微軟正黑體" pitchFamily="34" charset="-120"/>
+                <a:ea typeface="微軟正黑體" pitchFamily="34" charset="-120"/>
+              </a:rPr>
+              <a:t>142</a:t>
+            </a:r>
+            <a:r>
+              <a:rPr lang="en-US" altLang="zh-CN" sz="7200" b="1" i="1" dirty="0">
+                <a:solidFill>
+                  <a:srgbClr val="660033"/>
+                </a:solidFill>
+                <a:effectLst>
+                  <a:outerShdw blurRad="38100" dist="38100" dir="2700000" algn="tl">
+                    <a:srgbClr val="000000">
+                      <a:alpha val="43137"/>
+                    </a:srgbClr>
+                  </a:outerShdw>
+                </a:effectLst>
+                <a:latin typeface="微軟正黑體" pitchFamily="34" charset="-120"/>
+                <a:ea typeface="微軟正黑體" pitchFamily="34" charset="-120"/>
+              </a:rPr>
+              <a:t/>
+            </a:r>
+            <a:br>
+              <a:rPr lang="en-US" altLang="zh-CN" sz="7200" b="1" i="1" dirty="0">
+                <a:solidFill>
+                  <a:srgbClr val="660033"/>
+                </a:solidFill>
+                <a:effectLst>
+                  <a:outerShdw blurRad="38100" dist="38100" dir="2700000" algn="tl">
+                    <a:srgbClr val="000000">
+                      <a:alpha val="43137"/>
+                    </a:srgbClr>
+                  </a:outerShdw>
+                </a:effectLst>
+                <a:latin typeface="微軟正黑體" pitchFamily="34" charset="-120"/>
+                <a:ea typeface="微軟正黑體" pitchFamily="34" charset="-120"/>
+              </a:rPr>
+            </a:br>
+            <a:r>
+              <a:rPr lang="zh-CN" altLang="en-US" sz="8000" b="1" dirty="0">
+                <a:solidFill>
+                  <a:srgbClr val="000066"/>
+                </a:solidFill>
+                <a:effectLst>
+                  <a:outerShdw blurRad="38100" dist="38100" dir="2700000" algn="tl">
+                    <a:srgbClr val="000000">
+                      <a:alpha val="43137"/>
+                    </a:srgbClr>
+                  </a:outerShdw>
+                </a:effectLst>
+                <a:latin typeface="微軟正黑體" pitchFamily="34" charset="-120"/>
+                <a:ea typeface="微軟正黑體" pitchFamily="34" charset="-120"/>
+              </a:rPr>
+              <a:t>彼</a:t>
+            </a:r>
+            <a:r>
+              <a:rPr lang="zh-CN" altLang="en-US" sz="8000" b="1" dirty="0">
+                <a:solidFill>
+                  <a:srgbClr val="000066"/>
+                </a:solidFill>
+                <a:effectLst>
+                  <a:outerShdw blurRad="38100" dist="38100" dir="2700000" algn="tl">
+                    <a:srgbClr val="000000">
+                      <a:alpha val="43137"/>
+                    </a:srgbClr>
+                  </a:outerShdw>
+                </a:effectLst>
+                <a:latin typeface="微軟正黑體" pitchFamily="34" charset="-120"/>
+                <a:ea typeface="微軟正黑體" pitchFamily="34" charset="-120"/>
+              </a:rPr>
+              <a:t>此代禱</a:t>
+            </a:r>
+            <a:endParaRPr lang="zh-TW" altLang="en-US" sz="8000" b="1" dirty="0">
+              <a:solidFill>
+                <a:srgbClr val="000066"/>
+              </a:solidFill>
+              <a:effectLst>
+                <a:outerShdw blurRad="38100" dist="38100" dir="2700000" algn="tl">
+                  <a:srgbClr val="000000">
+                    <a:alpha val="43137"/>
+                  </a:srgbClr>
+                </a:outerShdw>
+              </a:effectLst>
+              <a:latin typeface="微軟正黑體" pitchFamily="34" charset="-120"/>
+              <a:ea typeface="微軟正黑體" pitchFamily="34" charset="-120"/>
+            </a:endParaRPr>
           </a:p>
         </p:txBody>
       </p:sp>
     </p:spTree>
     <p:extLst>
       <p:ext uri="{BB962C8B-B14F-4D97-AF65-F5344CB8AC3E}">
-        <p14:creationId xmlns:p14="http://schemas.microsoft.com/office/powerpoint/2010/main" val="3291566523"/>
+        <p14:creationId xmlns:p14="http://schemas.microsoft.com/office/powerpoint/2010/main" val="2696957180"/>
       </p:ext>
     </p:extLst>
   </p:cSld>
   <p:clrMapOvr>
     <a:masterClrMapping/>
   </p:clrMapOvr>
+  <p:timing>
+    <p:tnLst>
+      <p:par>
+        <p:cTn id="1" dur="indefinite" restart="never" nodeType="tmRoot"/>
+      </p:par>
+    </p:tnLst>
+  </p:timing>
+</p:sld>
+</file>
+
+<file path=ppt/slides/slide10.xml><?xml version="1.0" encoding="utf-8"?>
+<p:sld xmlns:a="http://schemas.openxmlformats.org/drawingml/2006/main" xmlns:r="http://schemas.openxmlformats.org/officeDocument/2006/relationships" xmlns:p="http://schemas.openxmlformats.org/presentationml/2006/main">
+  <p:cSld>
+    <p:spTree>
+      <p:nvGrpSpPr>
+        <p:cNvPr id="1" name=""/>
+        <p:cNvGrpSpPr/>
+        <p:nvPr/>
+      </p:nvGrpSpPr>
+      <p:grpSpPr>
+        <a:xfrm>
+          <a:off x="0" y="0"/>
+          <a:ext cx="0" cy="0"/>
+          <a:chOff x="0" y="0"/>
+          <a:chExt cx="0" cy="0"/>
+        </a:xfrm>
+      </p:grpSpPr>
+      <p:sp>
+        <p:nvSpPr>
+          <p:cNvPr id="5" name="內容版面配置區 4"/>
+          <p:cNvSpPr>
+            <a:spLocks noGrp="1"/>
+          </p:cNvSpPr>
+          <p:nvPr>
+            <p:ph idx="1"/>
+          </p:nvPr>
+        </p:nvSpPr>
+        <p:spPr>
+          <a:xfrm>
+            <a:off x="0" y="2084853"/>
+            <a:ext cx="12192000" cy="2404863"/>
+          </a:xfrm>
+        </p:spPr>
+        <p:txBody>
+          <a:bodyPr anchor="ctr">
+            <a:normAutofit/>
+          </a:bodyPr>
+          <a:lstStyle/>
+          <a:p>
+            <a:pPr marL="0" indent="0" algn="ctr">
+              <a:buNone/>
+            </a:pPr>
+            <a:r>
+              <a:rPr lang="zh-CN" altLang="zh-TW" sz="6400" b="1" dirty="0">
+                <a:solidFill>
+                  <a:srgbClr val="000066"/>
+                </a:solidFill>
+                <a:latin typeface="Microsoft JhengHei" panose="020B0604030504040204" pitchFamily="34" charset="-120"/>
+                <a:ea typeface="Microsoft JhengHei" panose="020B0604030504040204" pitchFamily="34" charset="-120"/>
+              </a:rPr>
+              <a:t>我今為你祈求</a:t>
+            </a:r>
+            <a:r>
+              <a:rPr lang="en-US" altLang="zh-CN" sz="6400" b="1" dirty="0">
+                <a:solidFill>
+                  <a:srgbClr val="000066"/>
+                </a:solidFill>
+                <a:latin typeface="Microsoft JhengHei" panose="020B0604030504040204" pitchFamily="34" charset="-120"/>
+                <a:ea typeface="Microsoft JhengHei" panose="020B0604030504040204" pitchFamily="34" charset="-120"/>
+              </a:rPr>
+              <a:t>  </a:t>
+            </a:r>
+            <a:r>
+              <a:rPr lang="zh-CN" altLang="zh-TW" sz="6400" b="1" dirty="0">
+                <a:solidFill>
+                  <a:srgbClr val="000066"/>
+                </a:solidFill>
+                <a:latin typeface="Microsoft JhengHei" panose="020B0604030504040204" pitchFamily="34" charset="-120"/>
+                <a:ea typeface="Microsoft JhengHei" panose="020B0604030504040204" pitchFamily="34" charset="-120"/>
+              </a:rPr>
+              <a:t>你也為我祈求</a:t>
+            </a:r>
+          </a:p>
+          <a:p>
+            <a:pPr marL="0" indent="0" algn="ctr">
+              <a:buNone/>
+            </a:pPr>
+            <a:r>
+              <a:rPr lang="zh-CN" altLang="zh-TW" sz="6400" b="1" dirty="0">
+                <a:solidFill>
+                  <a:srgbClr val="000066"/>
+                </a:solidFill>
+                <a:latin typeface="Microsoft JhengHei" panose="020B0604030504040204" pitchFamily="34" charset="-120"/>
+                <a:ea typeface="Microsoft JhengHei" panose="020B0604030504040204" pitchFamily="34" charset="-120"/>
+              </a:rPr>
+              <a:t>我們彼此代求</a:t>
+            </a:r>
+            <a:r>
+              <a:rPr lang="en-US" altLang="zh-CN" sz="6400" b="1" dirty="0">
+                <a:solidFill>
+                  <a:srgbClr val="000066"/>
+                </a:solidFill>
+                <a:latin typeface="Microsoft JhengHei" panose="020B0604030504040204" pitchFamily="34" charset="-120"/>
+                <a:ea typeface="Microsoft JhengHei" panose="020B0604030504040204" pitchFamily="34" charset="-120"/>
+              </a:rPr>
+              <a:t>  </a:t>
+            </a:r>
+            <a:r>
+              <a:rPr lang="zh-CN" altLang="zh-TW" sz="6400" b="1" dirty="0">
+                <a:solidFill>
+                  <a:srgbClr val="000066"/>
+                </a:solidFill>
+                <a:latin typeface="Microsoft JhengHei" panose="020B0604030504040204" pitchFamily="34" charset="-120"/>
+                <a:ea typeface="Microsoft JhengHei" panose="020B0604030504040204" pitchFamily="34" charset="-120"/>
+              </a:rPr>
+              <a:t>代求永不休</a:t>
+            </a:r>
+            <a:endParaRPr lang="zh-CN" altLang="zh-TW" sz="6400" b="1" dirty="0">
+              <a:solidFill>
+                <a:srgbClr val="000066"/>
+              </a:solidFill>
+              <a:latin typeface="Microsoft JhengHei" panose="020B0604030504040204" pitchFamily="34" charset="-120"/>
+              <a:ea typeface="Microsoft JhengHei" panose="020B0604030504040204" pitchFamily="34" charset="-120"/>
+            </a:endParaRPr>
+          </a:p>
+        </p:txBody>
+      </p:sp>
+    </p:spTree>
+    <p:extLst>
+      <p:ext uri="{BB962C8B-B14F-4D97-AF65-F5344CB8AC3E}">
+        <p14:creationId xmlns:p14="http://schemas.microsoft.com/office/powerpoint/2010/main" val="3332753735"/>
+      </p:ext>
+    </p:extLst>
+  </p:cSld>
+  <p:clrMapOvr>
+    <a:masterClrMapping/>
+  </p:clrMapOvr>
+  <p:timing>
+    <p:tnLst>
+      <p:par>
+        <p:cTn id="1" dur="indefinite" restart="never" nodeType="tmRoot"/>
+      </p:par>
+    </p:tnLst>
+  </p:timing>
+</p:sld>
+</file>
+
+<file path=ppt/slides/slide11.xml><?xml version="1.0" encoding="utf-8"?>
+<p:sld xmlns:a="http://schemas.openxmlformats.org/drawingml/2006/main" xmlns:r="http://schemas.openxmlformats.org/officeDocument/2006/relationships" xmlns:p="http://schemas.openxmlformats.org/presentationml/2006/main">
+  <p:cSld>
+    <p:spTree>
+      <p:nvGrpSpPr>
+        <p:cNvPr id="1" name=""/>
+        <p:cNvGrpSpPr/>
+        <p:nvPr/>
+      </p:nvGrpSpPr>
+      <p:grpSpPr>
+        <a:xfrm>
+          <a:off x="0" y="0"/>
+          <a:ext cx="0" cy="0"/>
+          <a:chOff x="0" y="0"/>
+          <a:chExt cx="0" cy="0"/>
+        </a:xfrm>
+      </p:grpSpPr>
+      <p:sp>
+        <p:nvSpPr>
+          <p:cNvPr id="5" name="內容版面配置區 4"/>
+          <p:cNvSpPr>
+            <a:spLocks noGrp="1"/>
+          </p:cNvSpPr>
+          <p:nvPr>
+            <p:ph idx="1"/>
+          </p:nvPr>
+        </p:nvSpPr>
+        <p:spPr>
+          <a:xfrm>
+            <a:off x="0" y="2084853"/>
+            <a:ext cx="12192000" cy="2404863"/>
+          </a:xfrm>
+        </p:spPr>
+        <p:txBody>
+          <a:bodyPr anchor="ctr">
+            <a:normAutofit/>
+          </a:bodyPr>
+          <a:lstStyle/>
+          <a:p>
+            <a:pPr marL="0" indent="0" algn="ctr">
+              <a:buNone/>
+            </a:pPr>
+            <a:r>
+              <a:rPr lang="zh-CN" altLang="zh-TW" sz="6400" b="1" dirty="0">
+                <a:solidFill>
+                  <a:srgbClr val="000066"/>
+                </a:solidFill>
+                <a:latin typeface="Microsoft JhengHei" panose="020B0604030504040204" pitchFamily="34" charset="-120"/>
+                <a:ea typeface="Microsoft JhengHei" panose="020B0604030504040204" pitchFamily="34" charset="-120"/>
+              </a:rPr>
+              <a:t>我今已深得在主内之豐富</a:t>
+            </a:r>
+          </a:p>
+          <a:p>
+            <a:pPr marL="0" indent="0" algn="ctr">
+              <a:buNone/>
+            </a:pPr>
+            <a:r>
+              <a:rPr lang="zh-CN" altLang="zh-TW" sz="6400" b="1" dirty="0">
+                <a:solidFill>
+                  <a:srgbClr val="000066"/>
+                </a:solidFill>
+                <a:latin typeface="Microsoft JhengHei" panose="020B0604030504040204" pitchFamily="34" charset="-120"/>
+                <a:ea typeface="Microsoft JhengHei" panose="020B0604030504040204" pitchFamily="34" charset="-120"/>
+              </a:rPr>
+              <a:t>實足快我意口歌唱心滿足</a:t>
+            </a:r>
+            <a:endParaRPr lang="en-US" altLang="zh-CN" sz="6400" b="1" dirty="0">
+              <a:solidFill>
+                <a:srgbClr val="000066"/>
+              </a:solidFill>
+              <a:latin typeface="Microsoft JhengHei" panose="020B0604030504040204" pitchFamily="34" charset="-120"/>
+              <a:ea typeface="Microsoft JhengHei" panose="020B0604030504040204" pitchFamily="34" charset="-120"/>
+            </a:endParaRPr>
+          </a:p>
+        </p:txBody>
+      </p:sp>
+      <p:sp>
+        <p:nvSpPr>
+          <p:cNvPr id="3" name="TextBox 2"/>
+          <p:cNvSpPr txBox="1"/>
+          <p:nvPr/>
+        </p:nvSpPr>
+        <p:spPr>
+          <a:xfrm>
+            <a:off x="0" y="5076572"/>
+            <a:ext cx="12192000" cy="830997"/>
+          </a:xfrm>
+          <a:prstGeom prst="rect">
+            <a:avLst/>
+          </a:prstGeom>
+          <a:noFill/>
+        </p:spPr>
+        <p:txBody>
+          <a:bodyPr wrap="square" rtlCol="0" anchor="ctr">
+            <a:spAutoFit/>
+          </a:bodyPr>
+          <a:lstStyle/>
+          <a:p>
+            <a:pPr algn="ctr"/>
+            <a:r>
+              <a:rPr lang="en-US" sz="4800" b="1" dirty="0">
+                <a:solidFill>
+                  <a:srgbClr val="000066"/>
+                </a:solidFill>
+              </a:rPr>
+              <a:t>( </a:t>
+            </a:r>
+            <a:r>
+              <a:rPr lang="en-US" sz="4800" b="1" dirty="0">
+                <a:solidFill>
+                  <a:srgbClr val="000066"/>
+                </a:solidFill>
+              </a:rPr>
+              <a:t>4 </a:t>
+            </a:r>
+            <a:r>
+              <a:rPr lang="en-US" sz="4800" b="1" dirty="0">
+                <a:solidFill>
+                  <a:srgbClr val="000066"/>
+                </a:solidFill>
+              </a:rPr>
+              <a:t>)</a:t>
+            </a:r>
+            <a:endParaRPr lang="vi-VN" sz="4800" b="1" dirty="0">
+              <a:solidFill>
+                <a:srgbClr val="000066"/>
+              </a:solidFill>
+            </a:endParaRPr>
+          </a:p>
+        </p:txBody>
+      </p:sp>
+    </p:spTree>
+    <p:extLst>
+      <p:ext uri="{BB962C8B-B14F-4D97-AF65-F5344CB8AC3E}">
+        <p14:creationId xmlns:p14="http://schemas.microsoft.com/office/powerpoint/2010/main" val="1722364767"/>
+      </p:ext>
+    </p:extLst>
+  </p:cSld>
+  <p:clrMapOvr>
+    <a:masterClrMapping/>
+  </p:clrMapOvr>
+  <p:timing>
+    <p:tnLst>
+      <p:par>
+        <p:cTn id="1" dur="indefinite" restart="never" nodeType="tmRoot"/>
+      </p:par>
+    </p:tnLst>
+  </p:timing>
+</p:sld>
+</file>
+
+<file path=ppt/slides/slide12.xml><?xml version="1.0" encoding="utf-8"?>
+<p:sld xmlns:a="http://schemas.openxmlformats.org/drawingml/2006/main" xmlns:r="http://schemas.openxmlformats.org/officeDocument/2006/relationships" xmlns:p="http://schemas.openxmlformats.org/presentationml/2006/main">
+  <p:cSld>
+    <p:spTree>
+      <p:nvGrpSpPr>
+        <p:cNvPr id="1" name=""/>
+        <p:cNvGrpSpPr/>
+        <p:nvPr/>
+      </p:nvGrpSpPr>
+      <p:grpSpPr>
+        <a:xfrm>
+          <a:off x="0" y="0"/>
+          <a:ext cx="0" cy="0"/>
+          <a:chOff x="0" y="0"/>
+          <a:chExt cx="0" cy="0"/>
+        </a:xfrm>
+      </p:grpSpPr>
+      <p:sp>
+        <p:nvSpPr>
+          <p:cNvPr id="5" name="內容版面配置區 4"/>
+          <p:cNvSpPr>
+            <a:spLocks noGrp="1"/>
+          </p:cNvSpPr>
+          <p:nvPr>
+            <p:ph idx="1"/>
+          </p:nvPr>
+        </p:nvSpPr>
+        <p:spPr>
+          <a:xfrm>
+            <a:off x="0" y="2084853"/>
+            <a:ext cx="12192000" cy="2404863"/>
+          </a:xfrm>
+        </p:spPr>
+        <p:txBody>
+          <a:bodyPr anchor="ctr">
+            <a:normAutofit/>
+          </a:bodyPr>
+          <a:lstStyle/>
+          <a:p>
+            <a:pPr marL="0" indent="0" algn="ctr">
+              <a:buNone/>
+            </a:pPr>
+            <a:r>
+              <a:rPr lang="zh-CN" altLang="zh-TW" sz="6400" b="1" dirty="0">
+                <a:solidFill>
+                  <a:srgbClr val="000066"/>
+                </a:solidFill>
+                <a:latin typeface="Microsoft JhengHei" panose="020B0604030504040204" pitchFamily="34" charset="-120"/>
+                <a:ea typeface="Microsoft JhengHei" panose="020B0604030504040204" pitchFamily="34" charset="-120"/>
+              </a:rPr>
+              <a:t>但願我眾親友於靈恩皆有分</a:t>
+            </a:r>
+          </a:p>
+          <a:p>
+            <a:pPr marL="0" indent="0" algn="ctr">
+              <a:buNone/>
+            </a:pPr>
+            <a:r>
+              <a:rPr lang="zh-CN" altLang="zh-TW" sz="6400" b="1" dirty="0">
+                <a:solidFill>
+                  <a:srgbClr val="000066"/>
+                </a:solidFill>
+                <a:latin typeface="Microsoft JhengHei" panose="020B0604030504040204" pitchFamily="34" charset="-120"/>
+                <a:ea typeface="Microsoft JhengHei" panose="020B0604030504040204" pitchFamily="34" charset="-120"/>
+              </a:rPr>
+              <a:t>同到恩座前取不竭用不盡</a:t>
+            </a:r>
+            <a:endParaRPr lang="zh-CN" altLang="zh-TW" sz="6400" b="1" dirty="0">
+              <a:solidFill>
+                <a:srgbClr val="000066"/>
+              </a:solidFill>
+              <a:latin typeface="Microsoft JhengHei" panose="020B0604030504040204" pitchFamily="34" charset="-120"/>
+              <a:ea typeface="Microsoft JhengHei" panose="020B0604030504040204" pitchFamily="34" charset="-120"/>
+            </a:endParaRPr>
+          </a:p>
+        </p:txBody>
+      </p:sp>
+      <p:sp>
+        <p:nvSpPr>
+          <p:cNvPr id="3" name="TextBox 2"/>
+          <p:cNvSpPr txBox="1"/>
+          <p:nvPr/>
+        </p:nvSpPr>
+        <p:spPr>
+          <a:xfrm>
+            <a:off x="0" y="5076572"/>
+            <a:ext cx="12192000" cy="830997"/>
+          </a:xfrm>
+          <a:prstGeom prst="rect">
+            <a:avLst/>
+          </a:prstGeom>
+          <a:noFill/>
+        </p:spPr>
+        <p:txBody>
+          <a:bodyPr wrap="square" rtlCol="0" anchor="ctr">
+            <a:spAutoFit/>
+          </a:bodyPr>
+          <a:lstStyle/>
+          <a:p>
+            <a:pPr algn="ctr"/>
+            <a:r>
+              <a:rPr lang="en-US" sz="4800" b="1" dirty="0">
+                <a:solidFill>
+                  <a:srgbClr val="000066"/>
+                </a:solidFill>
+              </a:rPr>
+              <a:t>( </a:t>
+            </a:r>
+            <a:r>
+              <a:rPr lang="en-US" sz="4800" b="1" dirty="0">
+                <a:solidFill>
+                  <a:srgbClr val="000066"/>
+                </a:solidFill>
+              </a:rPr>
+              <a:t>4 </a:t>
+            </a:r>
+            <a:r>
+              <a:rPr lang="en-US" sz="4800" b="1" dirty="0">
+                <a:solidFill>
+                  <a:srgbClr val="000066"/>
+                </a:solidFill>
+              </a:rPr>
+              <a:t>)</a:t>
+            </a:r>
+            <a:endParaRPr lang="vi-VN" sz="4800" b="1" dirty="0">
+              <a:solidFill>
+                <a:srgbClr val="000066"/>
+              </a:solidFill>
+            </a:endParaRPr>
+          </a:p>
+        </p:txBody>
+      </p:sp>
+    </p:spTree>
+    <p:extLst>
+      <p:ext uri="{BB962C8B-B14F-4D97-AF65-F5344CB8AC3E}">
+        <p14:creationId xmlns:p14="http://schemas.microsoft.com/office/powerpoint/2010/main" val="3369595987"/>
+      </p:ext>
+    </p:extLst>
+  </p:cSld>
+  <p:clrMapOvr>
+    <a:masterClrMapping/>
+  </p:clrMapOvr>
+  <p:timing>
+    <p:tnLst>
+      <p:par>
+        <p:cTn id="1" dur="indefinite" restart="never" nodeType="tmRoot"/>
+      </p:par>
+    </p:tnLst>
+  </p:timing>
+</p:sld>
+</file>
+
+<file path=ppt/slides/slide13.xml><?xml version="1.0" encoding="utf-8"?>
+<p:sld xmlns:a="http://schemas.openxmlformats.org/drawingml/2006/main" xmlns:r="http://schemas.openxmlformats.org/officeDocument/2006/relationships" xmlns:p="http://schemas.openxmlformats.org/presentationml/2006/main">
+  <p:cSld>
+    <p:spTree>
+      <p:nvGrpSpPr>
+        <p:cNvPr id="1" name=""/>
+        <p:cNvGrpSpPr/>
+        <p:nvPr/>
+      </p:nvGrpSpPr>
+      <p:grpSpPr>
+        <a:xfrm>
+          <a:off x="0" y="0"/>
+          <a:ext cx="0" cy="0"/>
+          <a:chOff x="0" y="0"/>
+          <a:chExt cx="0" cy="0"/>
+        </a:xfrm>
+      </p:grpSpPr>
+      <p:sp>
+        <p:nvSpPr>
+          <p:cNvPr id="5" name="內容版面配置區 4"/>
+          <p:cNvSpPr>
+            <a:spLocks noGrp="1"/>
+          </p:cNvSpPr>
+          <p:nvPr>
+            <p:ph idx="1"/>
+          </p:nvPr>
+        </p:nvSpPr>
+        <p:spPr>
+          <a:xfrm>
+            <a:off x="0" y="2084853"/>
+            <a:ext cx="12192000" cy="2404863"/>
+          </a:xfrm>
+        </p:spPr>
+        <p:txBody>
+          <a:bodyPr anchor="ctr">
+            <a:normAutofit/>
+          </a:bodyPr>
+          <a:lstStyle/>
+          <a:p>
+            <a:pPr marL="0" indent="0" algn="ctr">
+              <a:buNone/>
+            </a:pPr>
+            <a:r>
+              <a:rPr lang="zh-CN" altLang="zh-TW" sz="6400" b="1" dirty="0">
+                <a:solidFill>
+                  <a:srgbClr val="000066"/>
+                </a:solidFill>
+                <a:latin typeface="Microsoft JhengHei" panose="020B0604030504040204" pitchFamily="34" charset="-120"/>
+                <a:ea typeface="Microsoft JhengHei" panose="020B0604030504040204" pitchFamily="34" charset="-120"/>
+              </a:rPr>
+              <a:t>我今為你祈求</a:t>
+            </a:r>
+            <a:r>
+              <a:rPr lang="en-US" altLang="zh-CN" sz="6400" b="1" dirty="0">
+                <a:solidFill>
+                  <a:srgbClr val="000066"/>
+                </a:solidFill>
+                <a:latin typeface="Microsoft JhengHei" panose="020B0604030504040204" pitchFamily="34" charset="-120"/>
+                <a:ea typeface="Microsoft JhengHei" panose="020B0604030504040204" pitchFamily="34" charset="-120"/>
+              </a:rPr>
+              <a:t>  </a:t>
+            </a:r>
+            <a:r>
+              <a:rPr lang="zh-CN" altLang="zh-TW" sz="6400" b="1" dirty="0">
+                <a:solidFill>
+                  <a:srgbClr val="000066"/>
+                </a:solidFill>
+                <a:latin typeface="Microsoft JhengHei" panose="020B0604030504040204" pitchFamily="34" charset="-120"/>
+                <a:ea typeface="Microsoft JhengHei" panose="020B0604030504040204" pitchFamily="34" charset="-120"/>
+              </a:rPr>
+              <a:t>你也為我祈求</a:t>
+            </a:r>
+          </a:p>
+          <a:p>
+            <a:pPr marL="0" indent="0" algn="ctr">
+              <a:buNone/>
+            </a:pPr>
+            <a:r>
+              <a:rPr lang="zh-CN" altLang="zh-TW" sz="6400" b="1" dirty="0">
+                <a:solidFill>
+                  <a:srgbClr val="000066"/>
+                </a:solidFill>
+                <a:latin typeface="Microsoft JhengHei" panose="020B0604030504040204" pitchFamily="34" charset="-120"/>
+                <a:ea typeface="Microsoft JhengHei" panose="020B0604030504040204" pitchFamily="34" charset="-120"/>
+              </a:rPr>
+              <a:t>我們彼此代求</a:t>
+            </a:r>
+            <a:r>
+              <a:rPr lang="en-US" altLang="zh-CN" sz="6400" b="1" dirty="0">
+                <a:solidFill>
+                  <a:srgbClr val="000066"/>
+                </a:solidFill>
+                <a:latin typeface="Microsoft JhengHei" panose="020B0604030504040204" pitchFamily="34" charset="-120"/>
+                <a:ea typeface="Microsoft JhengHei" panose="020B0604030504040204" pitchFamily="34" charset="-120"/>
+              </a:rPr>
+              <a:t>  </a:t>
+            </a:r>
+            <a:r>
+              <a:rPr lang="zh-CN" altLang="zh-TW" sz="6400" b="1" dirty="0">
+                <a:solidFill>
+                  <a:srgbClr val="000066"/>
+                </a:solidFill>
+                <a:latin typeface="Microsoft JhengHei" panose="020B0604030504040204" pitchFamily="34" charset="-120"/>
+                <a:ea typeface="Microsoft JhengHei" panose="020B0604030504040204" pitchFamily="34" charset="-120"/>
+              </a:rPr>
+              <a:t>代求永不休</a:t>
+            </a:r>
+            <a:endParaRPr lang="zh-CN" altLang="zh-TW" sz="6400" b="1" dirty="0">
+              <a:solidFill>
+                <a:srgbClr val="000066"/>
+              </a:solidFill>
+              <a:latin typeface="Microsoft JhengHei" panose="020B0604030504040204" pitchFamily="34" charset="-120"/>
+              <a:ea typeface="Microsoft JhengHei" panose="020B0604030504040204" pitchFamily="34" charset="-120"/>
+            </a:endParaRPr>
+          </a:p>
+        </p:txBody>
+      </p:sp>
+    </p:spTree>
+    <p:extLst>
+      <p:ext uri="{BB962C8B-B14F-4D97-AF65-F5344CB8AC3E}">
+        <p14:creationId xmlns:p14="http://schemas.microsoft.com/office/powerpoint/2010/main" val="1151173975"/>
+      </p:ext>
+    </p:extLst>
+  </p:cSld>
+  <p:clrMapOvr>
+    <a:masterClrMapping/>
+  </p:clrMapOvr>
+  <p:timing>
+    <p:tnLst>
+      <p:par>
+        <p:cTn id="1" dur="indefinite" restart="never" nodeType="tmRoot"/>
+      </p:par>
+    </p:tnLst>
+  </p:timing>
 </p:sld>
 </file>
 
@@ -4034,142 +4484,120 @@
       </p:grpSpPr>
       <p:sp>
         <p:nvSpPr>
-          <p:cNvPr id="4" name="Title 3"/>
-          <p:cNvSpPr>
-            <a:spLocks noGrp="1"/>
-          </p:cNvSpPr>
-          <p:nvPr>
-            <p:ph type="title"/>
-          </p:nvPr>
-        </p:nvSpPr>
-        <p:spPr/>
-        <p:txBody>
-          <a:bodyPr>
+          <p:cNvPr id="5" name="內容版面配置區 4"/>
+          <p:cNvSpPr>
+            <a:spLocks noGrp="1"/>
+          </p:cNvSpPr>
+          <p:nvPr>
+            <p:ph idx="1"/>
+          </p:nvPr>
+        </p:nvSpPr>
+        <p:spPr>
+          <a:xfrm>
+            <a:off x="0" y="2084853"/>
+            <a:ext cx="12192000" cy="2404863"/>
+          </a:xfrm>
+        </p:spPr>
+        <p:txBody>
+          <a:bodyPr anchor="ctr">
             <a:normAutofit/>
           </a:bodyPr>
           <a:lstStyle/>
           <a:p>
-            <a:r>
-              <a:rPr lang="en-US" altLang="zh-CN" sz="4800" b="1" dirty="0">
-                <a:solidFill>
-                  <a:srgbClr val="002060"/>
+            <a:pPr marL="0" indent="0" algn="ctr">
+              <a:buNone/>
+            </a:pPr>
+            <a:r>
+              <a:rPr lang="zh-CN" altLang="zh-TW" sz="6400" b="1" dirty="0">
+                <a:solidFill>
+                  <a:srgbClr val="000066"/>
                 </a:solidFill>
                 <a:latin typeface="Microsoft JhengHei" panose="020B0604030504040204" pitchFamily="34" charset="-120"/>
                 <a:ea typeface="Microsoft JhengHei" panose="020B0604030504040204" pitchFamily="34" charset="-120"/>
               </a:rPr>
-              <a:t>【</a:t>
-            </a:r>
-            <a:r>
-              <a:rPr lang="zh-CN" altLang="en-US" sz="4800" b="1" dirty="0">
-                <a:solidFill>
-                  <a:srgbClr val="002060"/>
+              <a:t>我們眾信徒本分中之首要</a:t>
+            </a:r>
+          </a:p>
+          <a:p>
+            <a:pPr marL="0" indent="0" algn="ctr">
+              <a:buNone/>
+            </a:pPr>
+            <a:r>
+              <a:rPr lang="zh-CN" altLang="zh-TW" sz="6400" b="1" dirty="0">
+                <a:solidFill>
+                  <a:srgbClr val="000066"/>
                 </a:solidFill>
                 <a:latin typeface="Microsoft JhengHei" panose="020B0604030504040204" pitchFamily="34" charset="-120"/>
                 <a:ea typeface="Microsoft JhengHei" panose="020B0604030504040204" pitchFamily="34" charset="-120"/>
               </a:rPr>
-              <a:t>彼此代禱</a:t>
-            </a:r>
-            <a:r>
-              <a:rPr lang="en-US" altLang="zh-CN" sz="4800" b="1" dirty="0">
-                <a:solidFill>
-                  <a:srgbClr val="002060"/>
-                </a:solidFill>
-                <a:latin typeface="Microsoft JhengHei" panose="020B0604030504040204" pitchFamily="34" charset="-120"/>
-                <a:ea typeface="Microsoft JhengHei" panose="020B0604030504040204" pitchFamily="34" charset="-120"/>
-              </a:rPr>
-              <a:t>】</a:t>
-            </a:r>
-          </a:p>
-        </p:txBody>
-      </p:sp>
-      <p:sp>
-        <p:nvSpPr>
-          <p:cNvPr id="5" name="Content Placeholder 4"/>
-          <p:cNvSpPr>
-            <a:spLocks noGrp="1"/>
-          </p:cNvSpPr>
-          <p:nvPr>
-            <p:ph idx="1"/>
-          </p:nvPr>
-        </p:nvSpPr>
-        <p:spPr/>
-        <p:txBody>
-          <a:bodyPr>
-            <a:normAutofit/>
+              <a:t>即舉聖潔手為萬人常代禱</a:t>
+            </a:r>
+            <a:endParaRPr lang="en-US" altLang="zh-CN" sz="6400" b="1" dirty="0">
+              <a:solidFill>
+                <a:srgbClr val="000066"/>
+              </a:solidFill>
+              <a:latin typeface="Microsoft JhengHei" panose="020B0604030504040204" pitchFamily="34" charset="-120"/>
+              <a:ea typeface="Microsoft JhengHei" panose="020B0604030504040204" pitchFamily="34" charset="-120"/>
+            </a:endParaRPr>
+          </a:p>
+        </p:txBody>
+      </p:sp>
+      <p:sp>
+        <p:nvSpPr>
+          <p:cNvPr id="3" name="TextBox 2"/>
+          <p:cNvSpPr txBox="1"/>
+          <p:nvPr/>
+        </p:nvSpPr>
+        <p:spPr>
+          <a:xfrm>
+            <a:off x="0" y="5076572"/>
+            <a:ext cx="12192000" cy="830997"/>
+          </a:xfrm>
+          <a:prstGeom prst="rect">
+            <a:avLst/>
+          </a:prstGeom>
+          <a:noFill/>
+        </p:spPr>
+        <p:txBody>
+          <a:bodyPr wrap="square" rtlCol="0" anchor="ctr">
+            <a:spAutoFit/>
           </a:bodyPr>
           <a:lstStyle/>
           <a:p>
-            <a:pPr marL="0" indent="0" algn="ctr">
-              <a:buNone/>
-            </a:pPr>
-            <a:r>
-              <a:rPr lang="zh-CN" altLang="zh-TW" sz="5400" b="1" dirty="0">
-                <a:solidFill>
-                  <a:srgbClr val="002060"/>
-                </a:solidFill>
-                <a:latin typeface="Microsoft JhengHei" panose="020B0604030504040204" pitchFamily="34" charset="-120"/>
-                <a:ea typeface="Microsoft JhengHei" panose="020B0604030504040204" pitchFamily="34" charset="-120"/>
-              </a:rPr>
-              <a:t>我今為你祈求</a:t>
-            </a:r>
-          </a:p>
-          <a:p>
-            <a:pPr marL="0" indent="0" algn="ctr">
-              <a:buNone/>
-            </a:pPr>
-            <a:r>
-              <a:rPr lang="zh-CN" altLang="zh-TW" sz="5400" b="1" dirty="0">
-                <a:solidFill>
-                  <a:srgbClr val="002060"/>
-                </a:solidFill>
-                <a:latin typeface="Microsoft JhengHei" panose="020B0604030504040204" pitchFamily="34" charset="-120"/>
-                <a:ea typeface="Microsoft JhengHei" panose="020B0604030504040204" pitchFamily="34" charset="-120"/>
-              </a:rPr>
-              <a:t>你也為我祈求</a:t>
-            </a:r>
-          </a:p>
-          <a:p>
-            <a:pPr marL="0" indent="0" algn="ctr">
-              <a:buNone/>
-            </a:pPr>
-            <a:r>
-              <a:rPr lang="zh-CN" altLang="zh-TW" sz="5400" b="1" dirty="0">
-                <a:solidFill>
-                  <a:srgbClr val="002060"/>
-                </a:solidFill>
-                <a:latin typeface="Microsoft JhengHei" panose="020B0604030504040204" pitchFamily="34" charset="-120"/>
-                <a:ea typeface="Microsoft JhengHei" panose="020B0604030504040204" pitchFamily="34" charset="-120"/>
-              </a:rPr>
-              <a:t>我們彼此代求</a:t>
-            </a:r>
-          </a:p>
-          <a:p>
-            <a:pPr marL="0" indent="0" algn="ctr">
-              <a:buNone/>
-            </a:pPr>
-            <a:r>
-              <a:rPr lang="zh-CN" altLang="zh-TW" sz="5400" b="1" dirty="0">
-                <a:solidFill>
-                  <a:srgbClr val="002060"/>
-                </a:solidFill>
-                <a:latin typeface="Microsoft JhengHei" panose="020B0604030504040204" pitchFamily="34" charset="-120"/>
-                <a:ea typeface="Microsoft JhengHei" panose="020B0604030504040204" pitchFamily="34" charset="-120"/>
-              </a:rPr>
-              <a:t>代求永不休</a:t>
-            </a:r>
+            <a:pPr algn="ctr"/>
+            <a:r>
+              <a:rPr lang="en-US" sz="4800" b="1" dirty="0">
+                <a:solidFill>
+                  <a:srgbClr val="000066"/>
+                </a:solidFill>
+              </a:rPr>
+              <a:t>( 1 )</a:t>
+            </a:r>
+            <a:endParaRPr lang="vi-VN" sz="4800" b="1" dirty="0">
+              <a:solidFill>
+                <a:srgbClr val="000066"/>
+              </a:solidFill>
+            </a:endParaRPr>
           </a:p>
         </p:txBody>
       </p:sp>
     </p:spTree>
     <p:extLst>
       <p:ext uri="{BB962C8B-B14F-4D97-AF65-F5344CB8AC3E}">
-        <p14:creationId xmlns:p14="http://schemas.microsoft.com/office/powerpoint/2010/main" val="276347636"/>
+        <p14:creationId xmlns:p14="http://schemas.microsoft.com/office/powerpoint/2010/main" val="2158575384"/>
       </p:ext>
     </p:extLst>
   </p:cSld>
   <p:clrMapOvr>
     <a:masterClrMapping/>
   </p:clrMapOvr>
+  <p:timing>
+    <p:tnLst>
+      <p:par>
+        <p:cTn id="1" dur="indefinite" restart="never" nodeType="tmRoot"/>
+      </p:par>
+    </p:tnLst>
+  </p:timing>
 </p:sld>
 </file>
 
@@ -4192,268 +4620,82 @@
       </p:grpSpPr>
       <p:sp>
         <p:nvSpPr>
-          <p:cNvPr id="4" name="Title 3"/>
-          <p:cNvSpPr>
-            <a:spLocks noGrp="1"/>
-          </p:cNvSpPr>
-          <p:nvPr>
-            <p:ph type="title"/>
-          </p:nvPr>
-        </p:nvSpPr>
-        <p:spPr/>
-        <p:txBody>
-          <a:bodyPr>
+          <p:cNvPr id="5" name="內容版面配置區 4"/>
+          <p:cNvSpPr>
+            <a:spLocks noGrp="1"/>
+          </p:cNvSpPr>
+          <p:nvPr>
+            <p:ph idx="1"/>
+          </p:nvPr>
+        </p:nvSpPr>
+        <p:spPr>
+          <a:xfrm>
+            <a:off x="0" y="2084853"/>
+            <a:ext cx="12192000" cy="2404863"/>
+          </a:xfrm>
+        </p:spPr>
+        <p:txBody>
+          <a:bodyPr anchor="ctr">
             <a:normAutofit/>
           </a:bodyPr>
           <a:lstStyle/>
           <a:p>
-            <a:r>
-              <a:rPr lang="en-US" altLang="zh-CN" sz="4800" b="1" dirty="0">
-                <a:solidFill>
-                  <a:srgbClr val="002060"/>
+            <a:pPr marL="0" indent="0" algn="ctr">
+              <a:buNone/>
+            </a:pPr>
+            <a:r>
+              <a:rPr lang="zh-CN" altLang="zh-TW" sz="6400" b="1" dirty="0">
+                <a:solidFill>
+                  <a:srgbClr val="000066"/>
                 </a:solidFill>
                 <a:latin typeface="Microsoft JhengHei" panose="020B0604030504040204" pitchFamily="34" charset="-120"/>
                 <a:ea typeface="Microsoft JhengHei" panose="020B0604030504040204" pitchFamily="34" charset="-120"/>
               </a:rPr>
-              <a:t>【</a:t>
-            </a:r>
-            <a:r>
-              <a:rPr lang="zh-CN" altLang="en-US" sz="4800" b="1" dirty="0">
-                <a:solidFill>
-                  <a:srgbClr val="002060"/>
+              <a:t>切莫要輕忽你為祭司之責任</a:t>
+            </a:r>
+          </a:p>
+          <a:p>
+            <a:pPr marL="0" indent="0" algn="ctr">
+              <a:buNone/>
+            </a:pPr>
+            <a:r>
+              <a:rPr lang="zh-CN" altLang="zh-TW" sz="6400" b="1" dirty="0">
+                <a:solidFill>
+                  <a:srgbClr val="000066"/>
                 </a:solidFill>
                 <a:latin typeface="Microsoft JhengHei" panose="020B0604030504040204" pitchFamily="34" charset="-120"/>
                 <a:ea typeface="Microsoft JhengHei" panose="020B0604030504040204" pitchFamily="34" charset="-120"/>
               </a:rPr>
-              <a:t>彼此代禱</a:t>
-            </a:r>
-            <a:r>
-              <a:rPr lang="en-US" altLang="zh-CN" sz="4800" b="1" dirty="0">
-                <a:solidFill>
-                  <a:srgbClr val="002060"/>
-                </a:solidFill>
-                <a:latin typeface="Microsoft JhengHei" panose="020B0604030504040204" pitchFamily="34" charset="-120"/>
-                <a:ea typeface="Microsoft JhengHei" panose="020B0604030504040204" pitchFamily="34" charset="-120"/>
-              </a:rPr>
-              <a:t>】</a:t>
-            </a:r>
-          </a:p>
-        </p:txBody>
-      </p:sp>
-      <p:sp>
-        <p:nvSpPr>
-          <p:cNvPr id="5" name="Content Placeholder 4"/>
-          <p:cNvSpPr>
-            <a:spLocks noGrp="1"/>
-          </p:cNvSpPr>
-          <p:nvPr>
-            <p:ph idx="1"/>
-          </p:nvPr>
-        </p:nvSpPr>
-        <p:spPr/>
-        <p:txBody>
-          <a:bodyPr>
-            <a:normAutofit/>
-          </a:bodyPr>
-          <a:lstStyle/>
-          <a:p>
-            <a:pPr marL="0" indent="0" algn="ctr">
-              <a:buNone/>
-            </a:pPr>
-            <a:r>
-              <a:rPr lang="zh-CN" altLang="zh-TW" sz="5400" b="1" dirty="0">
-                <a:solidFill>
-                  <a:srgbClr val="002060"/>
-                </a:solidFill>
-                <a:latin typeface="Microsoft JhengHei" panose="020B0604030504040204" pitchFamily="34" charset="-120"/>
-                <a:ea typeface="Microsoft JhengHei" panose="020B0604030504040204" pitchFamily="34" charset="-120"/>
-              </a:rPr>
-              <a:t>既有主耶</a:t>
-            </a:r>
-            <a:r>
-              <a:rPr lang="zh-CN" altLang="zh-TW" sz="5400" b="1" dirty="0">
-                <a:solidFill>
-                  <a:srgbClr val="002060"/>
-                </a:solidFill>
-                <a:latin typeface="Microsoft JhengHei" panose="020B0604030504040204" pitchFamily="34" charset="-120"/>
-                <a:ea typeface="Microsoft JhengHei" panose="020B0604030504040204" pitchFamily="34" charset="-120"/>
-              </a:rPr>
-              <a:t>穌為</a:t>
-            </a:r>
-            <a:r>
-              <a:rPr lang="zh-CN" altLang="zh-TW" sz="5400" b="1" dirty="0">
-                <a:solidFill>
-                  <a:srgbClr val="002060"/>
-                </a:solidFill>
-                <a:latin typeface="Microsoft JhengHei" panose="020B0604030504040204" pitchFamily="34" charset="-120"/>
-                <a:ea typeface="Microsoft JhengHei" panose="020B0604030504040204" pitchFamily="34" charset="-120"/>
-              </a:rPr>
-              <a:t>我們作中保</a:t>
-            </a:r>
-          </a:p>
-          <a:p>
-            <a:pPr marL="0" indent="0" algn="ctr">
-              <a:buNone/>
-            </a:pPr>
-            <a:r>
-              <a:rPr lang="zh-CN" altLang="zh-TW" sz="5400" b="1" dirty="0">
-                <a:solidFill>
-                  <a:srgbClr val="002060"/>
-                </a:solidFill>
-                <a:latin typeface="Microsoft JhengHei" panose="020B0604030504040204" pitchFamily="34" charset="-120"/>
-                <a:ea typeface="Microsoft JhengHei" panose="020B0604030504040204" pitchFamily="34" charset="-120"/>
-              </a:rPr>
-              <a:t>在天父右</a:t>
-            </a:r>
-            <a:r>
-              <a:rPr lang="zh-CN" altLang="zh-TW" sz="5400" b="1" dirty="0">
-                <a:solidFill>
-                  <a:srgbClr val="002060"/>
-                </a:solidFill>
-                <a:latin typeface="Microsoft JhengHei" panose="020B0604030504040204" pitchFamily="34" charset="-120"/>
-                <a:ea typeface="Microsoft JhengHei" panose="020B0604030504040204" pitchFamily="34" charset="-120"/>
-              </a:rPr>
-              <a:t>邊替</a:t>
-            </a:r>
-            <a:r>
-              <a:rPr lang="zh-CN" altLang="zh-TW" sz="5400" b="1" dirty="0">
-                <a:solidFill>
-                  <a:srgbClr val="002060"/>
-                </a:solidFill>
-                <a:latin typeface="Microsoft JhengHei" panose="020B0604030504040204" pitchFamily="34" charset="-120"/>
-                <a:ea typeface="Microsoft JhengHei" panose="020B0604030504040204" pitchFamily="34" charset="-120"/>
-              </a:rPr>
-              <a:t>聖徒常禱</a:t>
-            </a:r>
-            <a:r>
-              <a:rPr lang="zh-CN" altLang="zh-TW" sz="5400" b="1" dirty="0">
-                <a:solidFill>
-                  <a:srgbClr val="002060"/>
-                </a:solidFill>
-                <a:latin typeface="Microsoft JhengHei" panose="020B0604030504040204" pitchFamily="34" charset="-120"/>
-                <a:ea typeface="Microsoft JhengHei" panose="020B0604030504040204" pitchFamily="34" charset="-120"/>
-              </a:rPr>
-              <a:t>告</a:t>
-            </a:r>
-            <a:endParaRPr lang="en-US" altLang="zh-CN" sz="5400" b="1" dirty="0">
+              <a:t>果能盡此職必蒙主樂垂允</a:t>
+            </a:r>
+            <a:endParaRPr lang="zh-CN" altLang="zh-TW" sz="6400" b="1" dirty="0">
               <a:solidFill>
-                <a:srgbClr val="002060"/>
+                <a:srgbClr val="000066"/>
               </a:solidFill>
               <a:latin typeface="Microsoft JhengHei" panose="020B0604030504040204" pitchFamily="34" charset="-120"/>
               <a:ea typeface="Microsoft JhengHei" panose="020B0604030504040204" pitchFamily="34" charset="-120"/>
             </a:endParaRPr>
           </a:p>
-          <a:p>
-            <a:pPr marL="0" indent="0" algn="ctr">
-              <a:buNone/>
-            </a:pPr>
-            <a:r>
-              <a:rPr lang="zh-CN" altLang="zh-TW" sz="5400" b="1" dirty="0">
-                <a:solidFill>
-                  <a:srgbClr val="002060"/>
-                </a:solidFill>
-                <a:latin typeface="Microsoft JhengHei" panose="020B0604030504040204" pitchFamily="34" charset="-120"/>
-                <a:ea typeface="Microsoft JhengHei" panose="020B0604030504040204" pitchFamily="34" charset="-120"/>
-              </a:rPr>
-              <a:t>我們為人代</a:t>
-            </a:r>
-            <a:r>
-              <a:rPr lang="zh-CN" altLang="zh-TW" sz="5400" b="1" dirty="0">
-                <a:solidFill>
-                  <a:srgbClr val="002060"/>
-                </a:solidFill>
-                <a:latin typeface="Microsoft JhengHei" panose="020B0604030504040204" pitchFamily="34" charset="-120"/>
-                <a:ea typeface="Microsoft JhengHei" panose="020B0604030504040204" pitchFamily="34" charset="-120"/>
-              </a:rPr>
-              <a:t>求效</a:t>
-            </a:r>
-            <a:r>
-              <a:rPr lang="zh-CN" altLang="zh-TW" sz="5400" b="1" dirty="0">
-                <a:solidFill>
-                  <a:srgbClr val="002060"/>
-                </a:solidFill>
-                <a:latin typeface="Microsoft JhengHei" panose="020B0604030504040204" pitchFamily="34" charset="-120"/>
-                <a:ea typeface="Microsoft JhengHei" panose="020B0604030504040204" pitchFamily="34" charset="-120"/>
-              </a:rPr>
-              <a:t>驗中有效驗</a:t>
-            </a:r>
-          </a:p>
-          <a:p>
-            <a:pPr marL="0" indent="0" algn="ctr">
-              <a:buNone/>
-            </a:pPr>
-            <a:r>
-              <a:rPr lang="zh-CN" altLang="zh-TW" sz="5400" b="1" dirty="0">
-                <a:solidFill>
-                  <a:srgbClr val="002060"/>
-                </a:solidFill>
-                <a:latin typeface="Microsoft JhengHei" panose="020B0604030504040204" pitchFamily="34" charset="-120"/>
-                <a:ea typeface="Microsoft JhengHei" panose="020B0604030504040204" pitchFamily="34" charset="-120"/>
-              </a:rPr>
-              <a:t>因與主祈</a:t>
-            </a:r>
-            <a:r>
-              <a:rPr lang="zh-CN" altLang="zh-TW" sz="5400" b="1" dirty="0">
-                <a:solidFill>
-                  <a:srgbClr val="002060"/>
-                </a:solidFill>
-                <a:latin typeface="Microsoft JhengHei" panose="020B0604030504040204" pitchFamily="34" charset="-120"/>
-                <a:ea typeface="Microsoft JhengHei" panose="020B0604030504040204" pitchFamily="34" charset="-120"/>
-              </a:rPr>
-              <a:t>禱同</a:t>
-            </a:r>
-            <a:r>
-              <a:rPr lang="zh-CN" altLang="zh-TW" sz="5400" b="1" dirty="0">
-                <a:solidFill>
-                  <a:srgbClr val="002060"/>
-                </a:solidFill>
-                <a:latin typeface="Microsoft JhengHei" panose="020B0604030504040204" pitchFamily="34" charset="-120"/>
-                <a:ea typeface="Microsoft JhengHei" panose="020B0604030504040204" pitchFamily="34" charset="-120"/>
-              </a:rPr>
-              <a:t>達到父面</a:t>
-            </a:r>
-            <a:r>
-              <a:rPr lang="zh-CN" altLang="zh-TW" sz="5400" b="1" dirty="0">
-                <a:solidFill>
-                  <a:srgbClr val="002060"/>
-                </a:solidFill>
-                <a:latin typeface="Microsoft JhengHei" panose="020B0604030504040204" pitchFamily="34" charset="-120"/>
-                <a:ea typeface="Microsoft JhengHei" panose="020B0604030504040204" pitchFamily="34" charset="-120"/>
-              </a:rPr>
-              <a:t>前</a:t>
-            </a:r>
-            <a:endParaRPr lang="zh-CN" altLang="zh-TW" sz="5400" b="1" dirty="0">
-              <a:solidFill>
-                <a:srgbClr val="002060"/>
-              </a:solidFill>
-              <a:latin typeface="Microsoft JhengHei" panose="020B0604030504040204" pitchFamily="34" charset="-120"/>
-              <a:ea typeface="Microsoft JhengHei" panose="020B0604030504040204" pitchFamily="34" charset="-120"/>
-            </a:endParaRPr>
-          </a:p>
-        </p:txBody>
-      </p:sp>
-      <p:sp>
-        <p:nvSpPr>
-          <p:cNvPr id="6" name="Text Box 1"/>
+        </p:txBody>
+      </p:sp>
+      <p:sp>
+        <p:nvSpPr>
+          <p:cNvPr id="3" name="TextBox 2"/>
           <p:cNvSpPr txBox="1"/>
           <p:nvPr/>
         </p:nvSpPr>
         <p:spPr>
           <a:xfrm>
-            <a:off x="407368" y="1772816"/>
-            <a:ext cx="1380490" cy="830997"/>
+            <a:off x="0" y="5076572"/>
+            <a:ext cx="12192000" cy="830997"/>
           </a:xfrm>
           <a:prstGeom prst="rect">
             <a:avLst/>
           </a:prstGeom>
           <a:noFill/>
-          <a:ln w="9525">
-            <a:noFill/>
-            <a:miter lim="800000"/>
-          </a:ln>
         </p:spPr>
         <p:txBody>
-          <a:bodyPr wrap="square">
+          <a:bodyPr wrap="square" rtlCol="0" anchor="ctr">
             <a:spAutoFit/>
           </a:bodyPr>
           <a:lstStyle/>
@@ -4462,22 +4704,14 @@
             <a:r>
               <a:rPr lang="en-US" sz="4800" b="1" dirty="0">
                 <a:solidFill>
-                  <a:srgbClr val="002060"/>
-                </a:solidFill>
-              </a:rPr>
-              <a:t>2</a:t>
-            </a:r>
-            <a:r>
-              <a:rPr lang="en-US" sz="4800" b="1" dirty="0" smtClean="0">
-                <a:solidFill>
-                  <a:srgbClr val="002060"/>
-                </a:solidFill>
-              </a:rPr>
-              <a:t>.</a:t>
-            </a:r>
-            <a:endParaRPr lang="en-US" sz="4800" b="1" dirty="0">
+                  <a:srgbClr val="000066"/>
+                </a:solidFill>
+              </a:rPr>
+              <a:t>( 1 )</a:t>
+            </a:r>
+            <a:endParaRPr lang="vi-VN" sz="4800" b="1" dirty="0">
               <a:solidFill>
-                <a:srgbClr val="002060"/>
+                <a:srgbClr val="000066"/>
               </a:solidFill>
             </a:endParaRPr>
           </a:p>
@@ -4486,13 +4720,20 @@
     </p:spTree>
     <p:extLst>
       <p:ext uri="{BB962C8B-B14F-4D97-AF65-F5344CB8AC3E}">
-        <p14:creationId xmlns:p14="http://schemas.microsoft.com/office/powerpoint/2010/main" val="3314941152"/>
+        <p14:creationId xmlns:p14="http://schemas.microsoft.com/office/powerpoint/2010/main" val="1089706614"/>
       </p:ext>
     </p:extLst>
   </p:cSld>
   <p:clrMapOvr>
     <a:masterClrMapping/>
   </p:clrMapOvr>
+  <p:timing>
+    <p:tnLst>
+      <p:par>
+        <p:cTn id="1" dur="indefinite" restart="never" nodeType="tmRoot"/>
+      </p:par>
+    </p:tnLst>
+  </p:timing>
 </p:sld>
 </file>
 
@@ -4515,142 +4756,121 @@
       </p:grpSpPr>
       <p:sp>
         <p:nvSpPr>
-          <p:cNvPr id="4" name="Title 3"/>
-          <p:cNvSpPr>
-            <a:spLocks noGrp="1"/>
-          </p:cNvSpPr>
-          <p:nvPr>
-            <p:ph type="title"/>
-          </p:nvPr>
-        </p:nvSpPr>
-        <p:spPr/>
-        <p:txBody>
-          <a:bodyPr>
+          <p:cNvPr id="5" name="內容版面配置區 4"/>
+          <p:cNvSpPr>
+            <a:spLocks noGrp="1"/>
+          </p:cNvSpPr>
+          <p:nvPr>
+            <p:ph idx="1"/>
+          </p:nvPr>
+        </p:nvSpPr>
+        <p:spPr>
+          <a:xfrm>
+            <a:off x="0" y="2084853"/>
+            <a:ext cx="12192000" cy="2404863"/>
+          </a:xfrm>
+        </p:spPr>
+        <p:txBody>
+          <a:bodyPr anchor="ctr">
             <a:normAutofit/>
           </a:bodyPr>
           <a:lstStyle/>
           <a:p>
-            <a:r>
-              <a:rPr lang="en-US" altLang="zh-CN" sz="4800" b="1" dirty="0">
-                <a:solidFill>
-                  <a:srgbClr val="002060"/>
+            <a:pPr marL="0" indent="0" algn="ctr">
+              <a:buNone/>
+            </a:pPr>
+            <a:r>
+              <a:rPr lang="zh-CN" altLang="zh-TW" sz="6400" b="1" dirty="0">
+                <a:solidFill>
+                  <a:srgbClr val="000066"/>
                 </a:solidFill>
                 <a:latin typeface="Microsoft JhengHei" panose="020B0604030504040204" pitchFamily="34" charset="-120"/>
                 <a:ea typeface="Microsoft JhengHei" panose="020B0604030504040204" pitchFamily="34" charset="-120"/>
               </a:rPr>
-              <a:t>【</a:t>
-            </a:r>
-            <a:r>
-              <a:rPr lang="zh-CN" altLang="en-US" sz="4800" b="1" dirty="0">
-                <a:solidFill>
-                  <a:srgbClr val="002060"/>
+              <a:t>我今為你祈求</a:t>
+            </a:r>
+            <a:r>
+              <a:rPr lang="en-US" altLang="zh-CN" sz="6400" b="1" dirty="0">
+                <a:solidFill>
+                  <a:srgbClr val="000066"/>
                 </a:solidFill>
                 <a:latin typeface="Microsoft JhengHei" panose="020B0604030504040204" pitchFamily="34" charset="-120"/>
                 <a:ea typeface="Microsoft JhengHei" panose="020B0604030504040204" pitchFamily="34" charset="-120"/>
               </a:rPr>
-              <a:t>彼此代禱</a:t>
-            </a:r>
-            <a:r>
-              <a:rPr lang="en-US" altLang="zh-CN" sz="4800" b="1" dirty="0">
-                <a:solidFill>
-                  <a:srgbClr val="002060"/>
+              <a:t>  </a:t>
+            </a:r>
+            <a:r>
+              <a:rPr lang="zh-CN" altLang="zh-TW" sz="6400" b="1" dirty="0">
+                <a:solidFill>
+                  <a:srgbClr val="000066"/>
                 </a:solidFill>
                 <a:latin typeface="Microsoft JhengHei" panose="020B0604030504040204" pitchFamily="34" charset="-120"/>
                 <a:ea typeface="Microsoft JhengHei" panose="020B0604030504040204" pitchFamily="34" charset="-120"/>
               </a:rPr>
-              <a:t>】</a:t>
-            </a:r>
-          </a:p>
-        </p:txBody>
-      </p:sp>
-      <p:sp>
-        <p:nvSpPr>
-          <p:cNvPr id="5" name="Content Placeholder 4"/>
-          <p:cNvSpPr>
-            <a:spLocks noGrp="1"/>
-          </p:cNvSpPr>
-          <p:nvPr>
-            <p:ph idx="1"/>
-          </p:nvPr>
-        </p:nvSpPr>
-        <p:spPr/>
-        <p:txBody>
-          <a:bodyPr>
-            <a:normAutofit/>
-          </a:bodyPr>
-          <a:lstStyle/>
+              <a:t>你也為我祈求</a:t>
+            </a:r>
+          </a:p>
           <a:p>
             <a:pPr marL="0" indent="0" algn="ctr">
               <a:buNone/>
             </a:pPr>
             <a:r>
-              <a:rPr lang="zh-CN" altLang="zh-TW" sz="5400" b="1" dirty="0">
-                <a:solidFill>
-                  <a:srgbClr val="002060"/>
+              <a:rPr lang="zh-CN" altLang="zh-TW" sz="6400" b="1" dirty="0">
+                <a:solidFill>
+                  <a:srgbClr val="000066"/>
                 </a:solidFill>
                 <a:latin typeface="Microsoft JhengHei" panose="020B0604030504040204" pitchFamily="34" charset="-120"/>
                 <a:ea typeface="Microsoft JhengHei" panose="020B0604030504040204" pitchFamily="34" charset="-120"/>
               </a:rPr>
-              <a:t>我今為你祈求</a:t>
-            </a:r>
-          </a:p>
-          <a:p>
-            <a:pPr marL="0" indent="0" algn="ctr">
-              <a:buNone/>
-            </a:pPr>
-            <a:r>
-              <a:rPr lang="zh-CN" altLang="zh-TW" sz="5400" b="1" dirty="0">
-                <a:solidFill>
-                  <a:srgbClr val="002060"/>
+              <a:t>我們彼此代求</a:t>
+            </a:r>
+            <a:r>
+              <a:rPr lang="en-US" altLang="zh-CN" sz="6400" b="1" dirty="0">
+                <a:solidFill>
+                  <a:srgbClr val="000066"/>
                 </a:solidFill>
                 <a:latin typeface="Microsoft JhengHei" panose="020B0604030504040204" pitchFamily="34" charset="-120"/>
                 <a:ea typeface="Microsoft JhengHei" panose="020B0604030504040204" pitchFamily="34" charset="-120"/>
               </a:rPr>
-              <a:t>你也為我祈求</a:t>
-            </a:r>
-          </a:p>
-          <a:p>
-            <a:pPr marL="0" indent="0" algn="ctr">
-              <a:buNone/>
-            </a:pPr>
-            <a:r>
-              <a:rPr lang="zh-CN" altLang="zh-TW" sz="5400" b="1" dirty="0">
-                <a:solidFill>
-                  <a:srgbClr val="002060"/>
+              <a:t>  </a:t>
+            </a:r>
+            <a:r>
+              <a:rPr lang="zh-CN" altLang="zh-TW" sz="6400" b="1" dirty="0">
+                <a:solidFill>
+                  <a:srgbClr val="000066"/>
                 </a:solidFill>
                 <a:latin typeface="Microsoft JhengHei" panose="020B0604030504040204" pitchFamily="34" charset="-120"/>
                 <a:ea typeface="Microsoft JhengHei" panose="020B0604030504040204" pitchFamily="34" charset="-120"/>
               </a:rPr>
-              <a:t>我們彼此代求</a:t>
-            </a:r>
-          </a:p>
-          <a:p>
-            <a:pPr marL="0" indent="0" algn="ctr">
-              <a:buNone/>
-            </a:pPr>
-            <a:r>
-              <a:rPr lang="zh-CN" altLang="zh-TW" sz="5400" b="1" dirty="0">
-                <a:solidFill>
-                  <a:srgbClr val="002060"/>
-                </a:solidFill>
-                <a:latin typeface="Microsoft JhengHei" panose="020B0604030504040204" pitchFamily="34" charset="-120"/>
-                <a:ea typeface="Microsoft JhengHei" panose="020B0604030504040204" pitchFamily="34" charset="-120"/>
-              </a:rPr>
               <a:t>代求永不休</a:t>
             </a:r>
+            <a:endParaRPr lang="zh-CN" altLang="zh-TW" sz="6400" b="1" dirty="0">
+              <a:solidFill>
+                <a:srgbClr val="000066"/>
+              </a:solidFill>
+              <a:latin typeface="Microsoft JhengHei" panose="020B0604030504040204" pitchFamily="34" charset="-120"/>
+              <a:ea typeface="Microsoft JhengHei" panose="020B0604030504040204" pitchFamily="34" charset="-120"/>
+            </a:endParaRPr>
           </a:p>
         </p:txBody>
       </p:sp>
     </p:spTree>
     <p:extLst>
       <p:ext uri="{BB962C8B-B14F-4D97-AF65-F5344CB8AC3E}">
-        <p14:creationId xmlns:p14="http://schemas.microsoft.com/office/powerpoint/2010/main" val="3085312312"/>
+        <p14:creationId xmlns:p14="http://schemas.microsoft.com/office/powerpoint/2010/main" val="1609466664"/>
       </p:ext>
     </p:extLst>
   </p:cSld>
   <p:clrMapOvr>
     <a:masterClrMapping/>
   </p:clrMapOvr>
+  <p:timing>
+    <p:tnLst>
+      <p:par>
+        <p:cTn id="1" dur="indefinite" restart="never" nodeType="tmRoot"/>
+      </p:par>
+    </p:tnLst>
+  </p:timing>
 </p:sld>
 </file>
 
@@ -4673,268 +4893,82 @@
       </p:grpSpPr>
       <p:sp>
         <p:nvSpPr>
-          <p:cNvPr id="4" name="Title 3"/>
-          <p:cNvSpPr>
-            <a:spLocks noGrp="1"/>
-          </p:cNvSpPr>
-          <p:nvPr>
-            <p:ph type="title"/>
-          </p:nvPr>
-        </p:nvSpPr>
-        <p:spPr/>
-        <p:txBody>
-          <a:bodyPr>
+          <p:cNvPr id="5" name="內容版面配置區 4"/>
+          <p:cNvSpPr>
+            <a:spLocks noGrp="1"/>
+          </p:cNvSpPr>
+          <p:nvPr>
+            <p:ph idx="1"/>
+          </p:nvPr>
+        </p:nvSpPr>
+        <p:spPr>
+          <a:xfrm>
+            <a:off x="0" y="2084853"/>
+            <a:ext cx="12192000" cy="2404863"/>
+          </a:xfrm>
+        </p:spPr>
+        <p:txBody>
+          <a:bodyPr anchor="ctr">
             <a:normAutofit/>
           </a:bodyPr>
           <a:lstStyle/>
           <a:p>
-            <a:r>
-              <a:rPr lang="en-US" altLang="zh-CN" sz="4800" b="1" dirty="0">
-                <a:solidFill>
-                  <a:srgbClr val="002060"/>
+            <a:pPr marL="0" indent="0" algn="ctr">
+              <a:buNone/>
+            </a:pPr>
+            <a:r>
+              <a:rPr lang="zh-CN" altLang="zh-TW" sz="6400" b="1" dirty="0">
+                <a:solidFill>
+                  <a:srgbClr val="000066"/>
                 </a:solidFill>
                 <a:latin typeface="Microsoft JhengHei" panose="020B0604030504040204" pitchFamily="34" charset="-120"/>
                 <a:ea typeface="Microsoft JhengHei" panose="020B0604030504040204" pitchFamily="34" charset="-120"/>
               </a:rPr>
-              <a:t>【</a:t>
-            </a:r>
-            <a:r>
-              <a:rPr lang="zh-CN" altLang="en-US" sz="4800" b="1" dirty="0">
-                <a:solidFill>
-                  <a:srgbClr val="002060"/>
+              <a:t>既有主耶穌為我們作中保</a:t>
+            </a:r>
+          </a:p>
+          <a:p>
+            <a:pPr marL="0" indent="0" algn="ctr">
+              <a:buNone/>
+            </a:pPr>
+            <a:r>
+              <a:rPr lang="zh-CN" altLang="zh-TW" sz="6400" b="1" dirty="0">
+                <a:solidFill>
+                  <a:srgbClr val="000066"/>
                 </a:solidFill>
                 <a:latin typeface="Microsoft JhengHei" panose="020B0604030504040204" pitchFamily="34" charset="-120"/>
                 <a:ea typeface="Microsoft JhengHei" panose="020B0604030504040204" pitchFamily="34" charset="-120"/>
               </a:rPr>
-              <a:t>彼此代禱</a:t>
-            </a:r>
-            <a:r>
-              <a:rPr lang="en-US" altLang="zh-CN" sz="4800" b="1" dirty="0">
-                <a:solidFill>
-                  <a:srgbClr val="002060"/>
-                </a:solidFill>
-                <a:latin typeface="Microsoft JhengHei" panose="020B0604030504040204" pitchFamily="34" charset="-120"/>
-                <a:ea typeface="Microsoft JhengHei" panose="020B0604030504040204" pitchFamily="34" charset="-120"/>
-              </a:rPr>
-              <a:t>】</a:t>
-            </a:r>
-          </a:p>
-        </p:txBody>
-      </p:sp>
-      <p:sp>
-        <p:nvSpPr>
-          <p:cNvPr id="5" name="Content Placeholder 4"/>
-          <p:cNvSpPr>
-            <a:spLocks noGrp="1"/>
-          </p:cNvSpPr>
-          <p:nvPr>
-            <p:ph idx="1"/>
-          </p:nvPr>
-        </p:nvSpPr>
-        <p:spPr/>
-        <p:txBody>
-          <a:bodyPr>
-            <a:normAutofit/>
-          </a:bodyPr>
-          <a:lstStyle/>
-          <a:p>
-            <a:pPr marL="0" indent="0" algn="ctr">
-              <a:buNone/>
-            </a:pPr>
-            <a:r>
-              <a:rPr lang="zh-CN" altLang="zh-TW" sz="5400" b="1" dirty="0">
-                <a:solidFill>
-                  <a:srgbClr val="002060"/>
-                </a:solidFill>
-                <a:latin typeface="Microsoft JhengHei" panose="020B0604030504040204" pitchFamily="34" charset="-120"/>
-                <a:ea typeface="Microsoft JhengHei" panose="020B0604030504040204" pitchFamily="34" charset="-120"/>
-              </a:rPr>
-              <a:t>願我眾信</a:t>
-            </a:r>
-            <a:r>
-              <a:rPr lang="zh-CN" altLang="zh-TW" sz="5400" b="1" dirty="0">
-                <a:solidFill>
-                  <a:srgbClr val="002060"/>
-                </a:solidFill>
-                <a:latin typeface="Microsoft JhengHei" panose="020B0604030504040204" pitchFamily="34" charset="-120"/>
-                <a:ea typeface="Microsoft JhengHei" panose="020B0604030504040204" pitchFamily="34" charset="-120"/>
-              </a:rPr>
-              <a:t>徒於</a:t>
-            </a:r>
-            <a:r>
-              <a:rPr lang="zh-CN" altLang="zh-TW" sz="5400" b="1" dirty="0">
-                <a:solidFill>
-                  <a:srgbClr val="002060"/>
-                </a:solidFill>
-                <a:latin typeface="Microsoft JhengHei" panose="020B0604030504040204" pitchFamily="34" charset="-120"/>
-                <a:ea typeface="Microsoft JhengHei" panose="020B0604030504040204" pitchFamily="34" charset="-120"/>
-              </a:rPr>
-              <a:t>主前常會面</a:t>
-            </a:r>
-          </a:p>
-          <a:p>
-            <a:pPr marL="0" indent="0" algn="ctr">
-              <a:buNone/>
-            </a:pPr>
-            <a:r>
-              <a:rPr lang="zh-CN" altLang="zh-TW" sz="5400" b="1" dirty="0">
-                <a:solidFill>
-                  <a:srgbClr val="002060"/>
-                </a:solidFill>
-                <a:latin typeface="Microsoft JhengHei" panose="020B0604030504040204" pitchFamily="34" charset="-120"/>
-                <a:ea typeface="Microsoft JhengHei" panose="020B0604030504040204" pitchFamily="34" charset="-120"/>
-              </a:rPr>
-              <a:t>大家憑祈</a:t>
-            </a:r>
-            <a:r>
-              <a:rPr lang="zh-CN" altLang="zh-TW" sz="5400" b="1" dirty="0">
-                <a:solidFill>
-                  <a:srgbClr val="002060"/>
-                </a:solidFill>
-                <a:latin typeface="Microsoft JhengHei" panose="020B0604030504040204" pitchFamily="34" charset="-120"/>
-                <a:ea typeface="Microsoft JhengHei" panose="020B0604030504040204" pitchFamily="34" charset="-120"/>
-              </a:rPr>
-              <a:t>禱在</a:t>
-            </a:r>
-            <a:r>
-              <a:rPr lang="zh-CN" altLang="zh-TW" sz="5400" b="1" dirty="0">
-                <a:solidFill>
-                  <a:srgbClr val="002060"/>
-                </a:solidFill>
-                <a:latin typeface="Microsoft JhengHei" panose="020B0604030504040204" pitchFamily="34" charset="-120"/>
-                <a:ea typeface="Microsoft JhengHei" panose="020B0604030504040204" pitchFamily="34" charset="-120"/>
-              </a:rPr>
-              <a:t>靈裏相通</a:t>
-            </a:r>
-            <a:r>
-              <a:rPr lang="zh-CN" altLang="zh-TW" sz="5400" b="1" dirty="0">
-                <a:solidFill>
-                  <a:srgbClr val="002060"/>
-                </a:solidFill>
-                <a:latin typeface="Microsoft JhengHei" panose="020B0604030504040204" pitchFamily="34" charset="-120"/>
-                <a:ea typeface="Microsoft JhengHei" panose="020B0604030504040204" pitchFamily="34" charset="-120"/>
-              </a:rPr>
-              <a:t>連</a:t>
-            </a:r>
-            <a:endParaRPr lang="en-US" altLang="zh-CN" sz="5400" b="1" dirty="0">
+              <a:t>在天父右邊替聖徒常禱告</a:t>
+            </a:r>
+            <a:endParaRPr lang="en-US" altLang="zh-CN" sz="6400" b="1" dirty="0">
               <a:solidFill>
-                <a:srgbClr val="002060"/>
+                <a:srgbClr val="000066"/>
               </a:solidFill>
               <a:latin typeface="Microsoft JhengHei" panose="020B0604030504040204" pitchFamily="34" charset="-120"/>
               <a:ea typeface="Microsoft JhengHei" panose="020B0604030504040204" pitchFamily="34" charset="-120"/>
             </a:endParaRPr>
           </a:p>
-          <a:p>
-            <a:pPr marL="0" indent="0" algn="ctr">
-              <a:buNone/>
-            </a:pPr>
-            <a:r>
-              <a:rPr lang="zh-CN" altLang="zh-TW" sz="5400" b="1" dirty="0">
-                <a:solidFill>
-                  <a:srgbClr val="002060"/>
-                </a:solidFill>
-                <a:latin typeface="Microsoft JhengHei" panose="020B0604030504040204" pitchFamily="34" charset="-120"/>
-                <a:ea typeface="Microsoft JhengHei" panose="020B0604030504040204" pitchFamily="34" charset="-120"/>
-              </a:rPr>
-              <a:t>奇哉聯名代</a:t>
-            </a:r>
-            <a:r>
-              <a:rPr lang="zh-CN" altLang="zh-TW" sz="5400" b="1" dirty="0">
-                <a:solidFill>
-                  <a:srgbClr val="002060"/>
-                </a:solidFill>
-                <a:latin typeface="Microsoft JhengHei" panose="020B0604030504040204" pitchFamily="34" charset="-120"/>
-                <a:ea typeface="Microsoft JhengHei" panose="020B0604030504040204" pitchFamily="34" charset="-120"/>
-              </a:rPr>
-              <a:t>禱所</a:t>
-            </a:r>
-            <a:r>
-              <a:rPr lang="zh-CN" altLang="zh-TW" sz="5400" b="1" dirty="0">
-                <a:solidFill>
-                  <a:srgbClr val="002060"/>
-                </a:solidFill>
-                <a:latin typeface="Microsoft JhengHei" panose="020B0604030504040204" pitchFamily="34" charset="-120"/>
-                <a:ea typeface="Microsoft JhengHei" panose="020B0604030504040204" pitchFamily="34" charset="-120"/>
-              </a:rPr>
-              <a:t>顯的大能力</a:t>
-            </a:r>
-          </a:p>
-          <a:p>
-            <a:pPr marL="0" indent="0" algn="ctr">
-              <a:buNone/>
-            </a:pPr>
-            <a:r>
-              <a:rPr lang="zh-CN" altLang="zh-TW" sz="5400" b="1" dirty="0">
-                <a:solidFill>
-                  <a:srgbClr val="002060"/>
-                </a:solidFill>
-                <a:latin typeface="Microsoft JhengHei" panose="020B0604030504040204" pitchFamily="34" charset="-120"/>
-                <a:ea typeface="Microsoft JhengHei" panose="020B0604030504040204" pitchFamily="34" charset="-120"/>
-              </a:rPr>
-              <a:t>彼此同蒙</a:t>
-            </a:r>
-            <a:r>
-              <a:rPr lang="zh-CN" altLang="zh-TW" sz="5400" b="1" dirty="0">
-                <a:solidFill>
-                  <a:srgbClr val="002060"/>
-                </a:solidFill>
-                <a:latin typeface="Microsoft JhengHei" panose="020B0604030504040204" pitchFamily="34" charset="-120"/>
-                <a:ea typeface="Microsoft JhengHei" panose="020B0604030504040204" pitchFamily="34" charset="-120"/>
-              </a:rPr>
-              <a:t>恩同</a:t>
-            </a:r>
-            <a:r>
-              <a:rPr lang="zh-CN" altLang="zh-TW" sz="5400" b="1" dirty="0">
-                <a:solidFill>
-                  <a:srgbClr val="002060"/>
-                </a:solidFill>
-                <a:latin typeface="Microsoft JhengHei" panose="020B0604030504040204" pitchFamily="34" charset="-120"/>
-                <a:ea typeface="Microsoft JhengHei" panose="020B0604030504040204" pitchFamily="34" charset="-120"/>
-              </a:rPr>
-              <a:t>進步樂無</a:t>
-            </a:r>
-            <a:r>
-              <a:rPr lang="zh-CN" altLang="zh-TW" sz="5400" b="1" dirty="0">
-                <a:solidFill>
-                  <a:srgbClr val="002060"/>
-                </a:solidFill>
-                <a:latin typeface="Microsoft JhengHei" panose="020B0604030504040204" pitchFamily="34" charset="-120"/>
-                <a:ea typeface="Microsoft JhengHei" panose="020B0604030504040204" pitchFamily="34" charset="-120"/>
-              </a:rPr>
-              <a:t>極</a:t>
-            </a:r>
-            <a:endParaRPr lang="zh-CN" altLang="zh-TW" sz="5400" b="1" dirty="0">
-              <a:solidFill>
-                <a:srgbClr val="002060"/>
-              </a:solidFill>
-              <a:latin typeface="Microsoft JhengHei" panose="020B0604030504040204" pitchFamily="34" charset="-120"/>
-              <a:ea typeface="Microsoft JhengHei" panose="020B0604030504040204" pitchFamily="34" charset="-120"/>
-            </a:endParaRPr>
-          </a:p>
-        </p:txBody>
-      </p:sp>
-      <p:sp>
-        <p:nvSpPr>
-          <p:cNvPr id="6" name="Text Box 1"/>
+        </p:txBody>
+      </p:sp>
+      <p:sp>
+        <p:nvSpPr>
+          <p:cNvPr id="3" name="TextBox 2"/>
           <p:cNvSpPr txBox="1"/>
           <p:nvPr/>
         </p:nvSpPr>
         <p:spPr>
           <a:xfrm>
-            <a:off x="407368" y="1772816"/>
-            <a:ext cx="1380490" cy="830997"/>
+            <a:off x="0" y="5076572"/>
+            <a:ext cx="12192000" cy="830997"/>
           </a:xfrm>
           <a:prstGeom prst="rect">
             <a:avLst/>
           </a:prstGeom>
           <a:noFill/>
-          <a:ln w="9525">
-            <a:noFill/>
-            <a:miter lim="800000"/>
-          </a:ln>
         </p:spPr>
         <p:txBody>
-          <a:bodyPr wrap="square">
+          <a:bodyPr wrap="square" rtlCol="0" anchor="ctr">
             <a:spAutoFit/>
           </a:bodyPr>
           <a:lstStyle/>
@@ -4943,22 +4977,30 @@
             <a:r>
               <a:rPr lang="en-US" sz="4800" b="1" dirty="0">
                 <a:solidFill>
-                  <a:srgbClr val="002060"/>
-                </a:solidFill>
-              </a:rPr>
-              <a:t>3</a:t>
-            </a:r>
-            <a:r>
-              <a:rPr lang="en-US" sz="4800" b="1" dirty="0" smtClean="0">
-                <a:solidFill>
-                  <a:srgbClr val="002060"/>
-                </a:solidFill>
-              </a:rPr>
-              <a:t>.</a:t>
-            </a:r>
-            <a:endParaRPr lang="en-US" sz="4800" b="1" dirty="0">
+                  <a:srgbClr val="000066"/>
+                </a:solidFill>
+              </a:rPr>
+              <a:t>( </a:t>
+            </a:r>
+            <a:r>
+              <a:rPr lang="en-US" sz="4800" b="1" dirty="0">
+                <a:solidFill>
+                  <a:srgbClr val="000066"/>
+                </a:solidFill>
+              </a:rPr>
+              <a:t>2 </a:t>
+            </a:r>
+            <a:r>
+              <a:rPr lang="en-US" sz="4800" b="1" dirty="0">
+                <a:solidFill>
+                  <a:srgbClr val="000066"/>
+                </a:solidFill>
+              </a:rPr>
+              <a:t>)</a:t>
+            </a:r>
+            <a:endParaRPr lang="vi-VN" sz="4800" b="1" dirty="0">
               <a:solidFill>
-                <a:srgbClr val="002060"/>
+                <a:srgbClr val="000066"/>
               </a:solidFill>
             </a:endParaRPr>
           </a:p>
@@ -4967,13 +5009,20 @@
     </p:spTree>
     <p:extLst>
       <p:ext uri="{BB962C8B-B14F-4D97-AF65-F5344CB8AC3E}">
-        <p14:creationId xmlns:p14="http://schemas.microsoft.com/office/powerpoint/2010/main" val="644566933"/>
+        <p14:creationId xmlns:p14="http://schemas.microsoft.com/office/powerpoint/2010/main" val="4196453145"/>
       </p:ext>
     </p:extLst>
   </p:cSld>
   <p:clrMapOvr>
     <a:masterClrMapping/>
   </p:clrMapOvr>
+  <p:timing>
+    <p:tnLst>
+      <p:par>
+        <p:cTn id="1" dur="indefinite" restart="never" nodeType="tmRoot"/>
+      </p:par>
+    </p:tnLst>
+  </p:timing>
 </p:sld>
 </file>
 
@@ -4996,142 +5045,136 @@
       </p:grpSpPr>
       <p:sp>
         <p:nvSpPr>
-          <p:cNvPr id="4" name="Title 3"/>
-          <p:cNvSpPr>
-            <a:spLocks noGrp="1"/>
-          </p:cNvSpPr>
-          <p:nvPr>
-            <p:ph type="title"/>
-          </p:nvPr>
-        </p:nvSpPr>
-        <p:spPr/>
-        <p:txBody>
-          <a:bodyPr>
+          <p:cNvPr id="5" name="內容版面配置區 4"/>
+          <p:cNvSpPr>
+            <a:spLocks noGrp="1"/>
+          </p:cNvSpPr>
+          <p:nvPr>
+            <p:ph idx="1"/>
+          </p:nvPr>
+        </p:nvSpPr>
+        <p:spPr>
+          <a:xfrm>
+            <a:off x="0" y="2084853"/>
+            <a:ext cx="12192000" cy="2404863"/>
+          </a:xfrm>
+        </p:spPr>
+        <p:txBody>
+          <a:bodyPr anchor="ctr">
             <a:normAutofit/>
           </a:bodyPr>
           <a:lstStyle/>
           <a:p>
-            <a:r>
-              <a:rPr lang="en-US" altLang="zh-CN" sz="4800" b="1" dirty="0">
-                <a:solidFill>
-                  <a:srgbClr val="002060"/>
+            <a:pPr marL="0" indent="0" algn="ctr">
+              <a:buNone/>
+            </a:pPr>
+            <a:r>
+              <a:rPr lang="zh-CN" altLang="zh-TW" sz="6400" b="1" dirty="0">
+                <a:solidFill>
+                  <a:srgbClr val="000066"/>
                 </a:solidFill>
                 <a:latin typeface="Microsoft JhengHei" panose="020B0604030504040204" pitchFamily="34" charset="-120"/>
                 <a:ea typeface="Microsoft JhengHei" panose="020B0604030504040204" pitchFamily="34" charset="-120"/>
               </a:rPr>
-              <a:t>【</a:t>
-            </a:r>
-            <a:r>
-              <a:rPr lang="zh-CN" altLang="en-US" sz="4800" b="1" dirty="0">
-                <a:solidFill>
-                  <a:srgbClr val="002060"/>
+              <a:t>我們為人代求效驗中有效驗</a:t>
+            </a:r>
+          </a:p>
+          <a:p>
+            <a:pPr marL="0" indent="0" algn="ctr">
+              <a:buNone/>
+            </a:pPr>
+            <a:r>
+              <a:rPr lang="zh-CN" altLang="zh-TW" sz="6400" b="1" dirty="0">
+                <a:solidFill>
+                  <a:srgbClr val="000066"/>
                 </a:solidFill>
                 <a:latin typeface="Microsoft JhengHei" panose="020B0604030504040204" pitchFamily="34" charset="-120"/>
                 <a:ea typeface="Microsoft JhengHei" panose="020B0604030504040204" pitchFamily="34" charset="-120"/>
               </a:rPr>
-              <a:t>彼此代禱</a:t>
-            </a:r>
-            <a:r>
-              <a:rPr lang="en-US" altLang="zh-CN" sz="4800" b="1" dirty="0">
-                <a:solidFill>
-                  <a:srgbClr val="002060"/>
-                </a:solidFill>
-                <a:latin typeface="Microsoft JhengHei" panose="020B0604030504040204" pitchFamily="34" charset="-120"/>
-                <a:ea typeface="Microsoft JhengHei" panose="020B0604030504040204" pitchFamily="34" charset="-120"/>
-              </a:rPr>
-              <a:t>】</a:t>
-            </a:r>
-          </a:p>
-        </p:txBody>
-      </p:sp>
-      <p:sp>
-        <p:nvSpPr>
-          <p:cNvPr id="5" name="Content Placeholder 4"/>
-          <p:cNvSpPr>
-            <a:spLocks noGrp="1"/>
-          </p:cNvSpPr>
-          <p:nvPr>
-            <p:ph idx="1"/>
-          </p:nvPr>
-        </p:nvSpPr>
-        <p:spPr/>
-        <p:txBody>
-          <a:bodyPr>
-            <a:normAutofit/>
+              <a:t>因與主祈禱同達到父面前</a:t>
+            </a:r>
+            <a:endParaRPr lang="zh-CN" altLang="zh-TW" sz="6400" b="1" dirty="0">
+              <a:solidFill>
+                <a:srgbClr val="000066"/>
+              </a:solidFill>
+              <a:latin typeface="Microsoft JhengHei" panose="020B0604030504040204" pitchFamily="34" charset="-120"/>
+              <a:ea typeface="Microsoft JhengHei" panose="020B0604030504040204" pitchFamily="34" charset="-120"/>
+            </a:endParaRPr>
+          </a:p>
+        </p:txBody>
+      </p:sp>
+      <p:sp>
+        <p:nvSpPr>
+          <p:cNvPr id="3" name="TextBox 2"/>
+          <p:cNvSpPr txBox="1"/>
+          <p:nvPr/>
+        </p:nvSpPr>
+        <p:spPr>
+          <a:xfrm>
+            <a:off x="0" y="5076572"/>
+            <a:ext cx="12192000" cy="830997"/>
+          </a:xfrm>
+          <a:prstGeom prst="rect">
+            <a:avLst/>
+          </a:prstGeom>
+          <a:noFill/>
+        </p:spPr>
+        <p:txBody>
+          <a:bodyPr wrap="square" rtlCol="0" anchor="ctr">
+            <a:spAutoFit/>
           </a:bodyPr>
           <a:lstStyle/>
           <a:p>
-            <a:pPr marL="0" indent="0" algn="ctr">
-              <a:buNone/>
-            </a:pPr>
-            <a:r>
-              <a:rPr lang="zh-CN" altLang="zh-TW" sz="5400" b="1" dirty="0">
-                <a:solidFill>
-                  <a:srgbClr val="002060"/>
-                </a:solidFill>
-                <a:latin typeface="Microsoft JhengHei" panose="020B0604030504040204" pitchFamily="34" charset="-120"/>
-                <a:ea typeface="Microsoft JhengHei" panose="020B0604030504040204" pitchFamily="34" charset="-120"/>
-              </a:rPr>
-              <a:t>我今為你祈求</a:t>
-            </a:r>
-          </a:p>
-          <a:p>
-            <a:pPr marL="0" indent="0" algn="ctr">
-              <a:buNone/>
-            </a:pPr>
-            <a:r>
-              <a:rPr lang="zh-CN" altLang="zh-TW" sz="5400" b="1" dirty="0">
-                <a:solidFill>
-                  <a:srgbClr val="002060"/>
-                </a:solidFill>
-                <a:latin typeface="Microsoft JhengHei" panose="020B0604030504040204" pitchFamily="34" charset="-120"/>
-                <a:ea typeface="Microsoft JhengHei" panose="020B0604030504040204" pitchFamily="34" charset="-120"/>
-              </a:rPr>
-              <a:t>你也為我祈求</a:t>
-            </a:r>
-          </a:p>
-          <a:p>
-            <a:pPr marL="0" indent="0" algn="ctr">
-              <a:buNone/>
-            </a:pPr>
-            <a:r>
-              <a:rPr lang="zh-CN" altLang="zh-TW" sz="5400" b="1" dirty="0">
-                <a:solidFill>
-                  <a:srgbClr val="002060"/>
-                </a:solidFill>
-                <a:latin typeface="Microsoft JhengHei" panose="020B0604030504040204" pitchFamily="34" charset="-120"/>
-                <a:ea typeface="Microsoft JhengHei" panose="020B0604030504040204" pitchFamily="34" charset="-120"/>
-              </a:rPr>
-              <a:t>我們彼此代求</a:t>
-            </a:r>
-          </a:p>
-          <a:p>
-            <a:pPr marL="0" indent="0" algn="ctr">
-              <a:buNone/>
-            </a:pPr>
-            <a:r>
-              <a:rPr lang="zh-CN" altLang="zh-TW" sz="5400" b="1" dirty="0">
-                <a:solidFill>
-                  <a:srgbClr val="002060"/>
-                </a:solidFill>
-                <a:latin typeface="Microsoft JhengHei" panose="020B0604030504040204" pitchFamily="34" charset="-120"/>
-                <a:ea typeface="Microsoft JhengHei" panose="020B0604030504040204" pitchFamily="34" charset="-120"/>
-              </a:rPr>
-              <a:t>代求永不休</a:t>
-            </a:r>
+            <a:pPr algn="ctr"/>
+            <a:r>
+              <a:rPr lang="en-US" sz="4800" b="1" dirty="0">
+                <a:solidFill>
+                  <a:srgbClr val="000066"/>
+                </a:solidFill>
+              </a:rPr>
+              <a:t>( </a:t>
+            </a:r>
+            <a:r>
+              <a:rPr lang="en-US" sz="4800" b="1" dirty="0">
+                <a:solidFill>
+                  <a:srgbClr val="000066"/>
+                </a:solidFill>
+              </a:rPr>
+              <a:t>2 </a:t>
+            </a:r>
+            <a:r>
+              <a:rPr lang="en-US" sz="4800" b="1" dirty="0">
+                <a:solidFill>
+                  <a:srgbClr val="000066"/>
+                </a:solidFill>
+              </a:rPr>
+              <a:t>)</a:t>
+            </a:r>
+            <a:endParaRPr lang="vi-VN" sz="4800" b="1" dirty="0">
+              <a:solidFill>
+                <a:srgbClr val="000066"/>
+              </a:solidFill>
+            </a:endParaRPr>
           </a:p>
         </p:txBody>
       </p:sp>
     </p:spTree>
     <p:extLst>
       <p:ext uri="{BB962C8B-B14F-4D97-AF65-F5344CB8AC3E}">
-        <p14:creationId xmlns:p14="http://schemas.microsoft.com/office/powerpoint/2010/main" val="2428399635"/>
+        <p14:creationId xmlns:p14="http://schemas.microsoft.com/office/powerpoint/2010/main" val="3025833466"/>
       </p:ext>
     </p:extLst>
   </p:cSld>
   <p:clrMapOvr>
     <a:masterClrMapping/>
   </p:clrMapOvr>
+  <p:timing>
+    <p:tnLst>
+      <p:par>
+        <p:cTn id="1" dur="indefinite" restart="never" nodeType="tmRoot"/>
+      </p:par>
+    </p:tnLst>
+  </p:timing>
 </p:sld>
 </file>
 
@@ -5154,307 +5197,121 @@
       </p:grpSpPr>
       <p:sp>
         <p:nvSpPr>
-          <p:cNvPr id="4" name="Title 3"/>
-          <p:cNvSpPr>
-            <a:spLocks noGrp="1"/>
-          </p:cNvSpPr>
-          <p:nvPr>
-            <p:ph type="title"/>
-          </p:nvPr>
-        </p:nvSpPr>
-        <p:spPr/>
-        <p:txBody>
-          <a:bodyPr>
+          <p:cNvPr id="5" name="內容版面配置區 4"/>
+          <p:cNvSpPr>
+            <a:spLocks noGrp="1"/>
+          </p:cNvSpPr>
+          <p:nvPr>
+            <p:ph idx="1"/>
+          </p:nvPr>
+        </p:nvSpPr>
+        <p:spPr>
+          <a:xfrm>
+            <a:off x="0" y="2084853"/>
+            <a:ext cx="12192000" cy="2404863"/>
+          </a:xfrm>
+        </p:spPr>
+        <p:txBody>
+          <a:bodyPr anchor="ctr">
             <a:normAutofit/>
           </a:bodyPr>
           <a:lstStyle/>
           <a:p>
-            <a:r>
-              <a:rPr lang="en-US" altLang="zh-CN" sz="4800" b="1" dirty="0">
-                <a:solidFill>
-                  <a:srgbClr val="002060"/>
+            <a:pPr marL="0" indent="0" algn="ctr">
+              <a:buNone/>
+            </a:pPr>
+            <a:r>
+              <a:rPr lang="zh-CN" altLang="zh-TW" sz="6400" b="1" dirty="0">
+                <a:solidFill>
+                  <a:srgbClr val="000066"/>
                 </a:solidFill>
                 <a:latin typeface="Microsoft JhengHei" panose="020B0604030504040204" pitchFamily="34" charset="-120"/>
                 <a:ea typeface="Microsoft JhengHei" panose="020B0604030504040204" pitchFamily="34" charset="-120"/>
               </a:rPr>
-              <a:t>【</a:t>
-            </a:r>
-            <a:r>
-              <a:rPr lang="zh-CN" altLang="en-US" sz="4800" b="1" dirty="0">
-                <a:solidFill>
-                  <a:srgbClr val="002060"/>
+              <a:t>我今為你祈求</a:t>
+            </a:r>
+            <a:r>
+              <a:rPr lang="en-US" altLang="zh-CN" sz="6400" b="1" dirty="0">
+                <a:solidFill>
+                  <a:srgbClr val="000066"/>
                 </a:solidFill>
                 <a:latin typeface="Microsoft JhengHei" panose="020B0604030504040204" pitchFamily="34" charset="-120"/>
                 <a:ea typeface="Microsoft JhengHei" panose="020B0604030504040204" pitchFamily="34" charset="-120"/>
               </a:rPr>
-              <a:t>彼此代禱</a:t>
-            </a:r>
-            <a:r>
-              <a:rPr lang="en-US" altLang="zh-CN" sz="4800" b="1" dirty="0">
-                <a:solidFill>
-                  <a:srgbClr val="002060"/>
+              <a:t>  </a:t>
+            </a:r>
+            <a:r>
+              <a:rPr lang="zh-CN" altLang="zh-TW" sz="6400" b="1" dirty="0">
+                <a:solidFill>
+                  <a:srgbClr val="000066"/>
                 </a:solidFill>
                 <a:latin typeface="Microsoft JhengHei" panose="020B0604030504040204" pitchFamily="34" charset="-120"/>
                 <a:ea typeface="Microsoft JhengHei" panose="020B0604030504040204" pitchFamily="34" charset="-120"/>
               </a:rPr>
-              <a:t>】</a:t>
-            </a:r>
-          </a:p>
-        </p:txBody>
-      </p:sp>
-      <p:sp>
-        <p:nvSpPr>
-          <p:cNvPr id="5" name="Content Placeholder 4"/>
-          <p:cNvSpPr>
-            <a:spLocks noGrp="1"/>
-          </p:cNvSpPr>
-          <p:nvPr>
-            <p:ph idx="1"/>
-          </p:nvPr>
-        </p:nvSpPr>
-        <p:spPr/>
-        <p:txBody>
-          <a:bodyPr>
-            <a:normAutofit/>
-          </a:bodyPr>
-          <a:lstStyle/>
+              <a:t>你也為我祈求</a:t>
+            </a:r>
+          </a:p>
           <a:p>
             <a:pPr marL="0" indent="0" algn="ctr">
               <a:buNone/>
             </a:pPr>
             <a:r>
-              <a:rPr lang="zh-CN" altLang="zh-TW" sz="5400" b="1" dirty="0">
-                <a:solidFill>
-                  <a:srgbClr val="002060"/>
+              <a:rPr lang="zh-CN" altLang="zh-TW" sz="6400" b="1" dirty="0">
+                <a:solidFill>
+                  <a:srgbClr val="000066"/>
                 </a:solidFill>
                 <a:latin typeface="Microsoft JhengHei" panose="020B0604030504040204" pitchFamily="34" charset="-120"/>
                 <a:ea typeface="Microsoft JhengHei" panose="020B0604030504040204" pitchFamily="34" charset="-120"/>
               </a:rPr>
-              <a:t>我今已深</a:t>
-            </a:r>
-            <a:r>
-              <a:rPr lang="zh-CN" altLang="zh-TW" sz="5400" b="1" dirty="0">
-                <a:solidFill>
-                  <a:srgbClr val="002060"/>
+              <a:t>我們彼此代求</a:t>
+            </a:r>
+            <a:r>
+              <a:rPr lang="en-US" altLang="zh-CN" sz="6400" b="1" dirty="0">
+                <a:solidFill>
+                  <a:srgbClr val="000066"/>
                 </a:solidFill>
                 <a:latin typeface="Microsoft JhengHei" panose="020B0604030504040204" pitchFamily="34" charset="-120"/>
                 <a:ea typeface="Microsoft JhengHei" panose="020B0604030504040204" pitchFamily="34" charset="-120"/>
               </a:rPr>
-              <a:t>得在</a:t>
-            </a:r>
-            <a:r>
-              <a:rPr lang="zh-CN" altLang="zh-TW" sz="5400" b="1" dirty="0">
-                <a:solidFill>
-                  <a:srgbClr val="002060"/>
+              <a:t>  </a:t>
+            </a:r>
+            <a:r>
+              <a:rPr lang="zh-CN" altLang="zh-TW" sz="6400" b="1" dirty="0">
+                <a:solidFill>
+                  <a:srgbClr val="000066"/>
                 </a:solidFill>
                 <a:latin typeface="Microsoft JhengHei" panose="020B0604030504040204" pitchFamily="34" charset="-120"/>
                 <a:ea typeface="Microsoft JhengHei" panose="020B0604030504040204" pitchFamily="34" charset="-120"/>
               </a:rPr>
-              <a:t>主内之豐富</a:t>
-            </a:r>
-          </a:p>
-          <a:p>
-            <a:pPr marL="0" indent="0" algn="ctr">
-              <a:buNone/>
-            </a:pPr>
-            <a:r>
-              <a:rPr lang="zh-CN" altLang="zh-TW" sz="5400" b="1" dirty="0">
-                <a:solidFill>
-                  <a:srgbClr val="002060"/>
-                </a:solidFill>
-                <a:latin typeface="Microsoft JhengHei" panose="020B0604030504040204" pitchFamily="34" charset="-120"/>
-                <a:ea typeface="Microsoft JhengHei" panose="020B0604030504040204" pitchFamily="34" charset="-120"/>
-              </a:rPr>
-              <a:t>實足快我</a:t>
-            </a:r>
-            <a:r>
-              <a:rPr lang="zh-CN" altLang="zh-TW" sz="5400" b="1" dirty="0">
-                <a:solidFill>
-                  <a:srgbClr val="002060"/>
-                </a:solidFill>
-                <a:latin typeface="Microsoft JhengHei" panose="020B0604030504040204" pitchFamily="34" charset="-120"/>
-                <a:ea typeface="Microsoft JhengHei" panose="020B0604030504040204" pitchFamily="34" charset="-120"/>
-              </a:rPr>
-              <a:t>意口</a:t>
-            </a:r>
-            <a:r>
-              <a:rPr lang="zh-CN" altLang="zh-TW" sz="5400" b="1" dirty="0">
-                <a:solidFill>
-                  <a:srgbClr val="002060"/>
-                </a:solidFill>
-                <a:latin typeface="Microsoft JhengHei" panose="020B0604030504040204" pitchFamily="34" charset="-120"/>
-                <a:ea typeface="Microsoft JhengHei" panose="020B0604030504040204" pitchFamily="34" charset="-120"/>
-              </a:rPr>
-              <a:t>歌唱心滿</a:t>
-            </a:r>
-            <a:r>
-              <a:rPr lang="zh-CN" altLang="zh-TW" sz="5400" b="1" dirty="0">
-                <a:solidFill>
-                  <a:srgbClr val="002060"/>
-                </a:solidFill>
-                <a:latin typeface="Microsoft JhengHei" panose="020B0604030504040204" pitchFamily="34" charset="-120"/>
-                <a:ea typeface="Microsoft JhengHei" panose="020B0604030504040204" pitchFamily="34" charset="-120"/>
-              </a:rPr>
-              <a:t>足</a:t>
-            </a:r>
-            <a:endParaRPr lang="en-US" altLang="zh-CN" sz="5400" b="1" dirty="0">
+              <a:t>代求永不休</a:t>
+            </a:r>
+            <a:endParaRPr lang="zh-CN" altLang="zh-TW" sz="6400" b="1" dirty="0">
               <a:solidFill>
-                <a:srgbClr val="002060"/>
+                <a:srgbClr val="000066"/>
               </a:solidFill>
               <a:latin typeface="Microsoft JhengHei" panose="020B0604030504040204" pitchFamily="34" charset="-120"/>
               <a:ea typeface="Microsoft JhengHei" panose="020B0604030504040204" pitchFamily="34" charset="-120"/>
             </a:endParaRPr>
           </a:p>
-          <a:p>
-            <a:pPr marL="0" indent="0" algn="ctr">
-              <a:buNone/>
-            </a:pPr>
-            <a:r>
-              <a:rPr lang="zh-CN" altLang="zh-TW" sz="5400" b="1" dirty="0">
-                <a:solidFill>
-                  <a:srgbClr val="002060"/>
-                </a:solidFill>
-                <a:latin typeface="Microsoft JhengHei" panose="020B0604030504040204" pitchFamily="34" charset="-120"/>
-                <a:ea typeface="Microsoft JhengHei" panose="020B0604030504040204" pitchFamily="34" charset="-120"/>
-              </a:rPr>
-              <a:t>但願我眾親</a:t>
-            </a:r>
-            <a:r>
-              <a:rPr lang="zh-CN" altLang="zh-TW" sz="5400" b="1" dirty="0">
-                <a:solidFill>
-                  <a:srgbClr val="002060"/>
-                </a:solidFill>
-                <a:latin typeface="Microsoft JhengHei" panose="020B0604030504040204" pitchFamily="34" charset="-120"/>
-                <a:ea typeface="Microsoft JhengHei" panose="020B0604030504040204" pitchFamily="34" charset="-120"/>
-              </a:rPr>
-              <a:t>友於</a:t>
-            </a:r>
-            <a:r>
-              <a:rPr lang="zh-CN" altLang="zh-TW" sz="5400" b="1" dirty="0">
-                <a:solidFill>
-                  <a:srgbClr val="002060"/>
-                </a:solidFill>
-                <a:latin typeface="Microsoft JhengHei" panose="020B0604030504040204" pitchFamily="34" charset="-120"/>
-                <a:ea typeface="Microsoft JhengHei" panose="020B0604030504040204" pitchFamily="34" charset="-120"/>
-              </a:rPr>
-              <a:t>靈恩皆有分</a:t>
-            </a:r>
-          </a:p>
-          <a:p>
-            <a:pPr marL="0" indent="0" algn="ctr">
-              <a:buNone/>
-            </a:pPr>
-            <a:r>
-              <a:rPr lang="zh-CN" altLang="zh-TW" sz="5400" b="1" dirty="0">
-                <a:solidFill>
-                  <a:srgbClr val="002060"/>
-                </a:solidFill>
-                <a:latin typeface="Microsoft JhengHei" panose="020B0604030504040204" pitchFamily="34" charset="-120"/>
-                <a:ea typeface="Microsoft JhengHei" panose="020B0604030504040204" pitchFamily="34" charset="-120"/>
-              </a:rPr>
-              <a:t>同到恩座</a:t>
-            </a:r>
-            <a:r>
-              <a:rPr lang="zh-CN" altLang="zh-TW" sz="5400" b="1" dirty="0">
-                <a:solidFill>
-                  <a:srgbClr val="002060"/>
-                </a:solidFill>
-                <a:latin typeface="Microsoft JhengHei" panose="020B0604030504040204" pitchFamily="34" charset="-120"/>
-                <a:ea typeface="Microsoft JhengHei" panose="020B0604030504040204" pitchFamily="34" charset="-120"/>
-              </a:rPr>
-              <a:t>前取</a:t>
-            </a:r>
-            <a:r>
-              <a:rPr lang="zh-CN" altLang="zh-TW" sz="5400" b="1" dirty="0">
-                <a:solidFill>
-                  <a:srgbClr val="002060"/>
-                </a:solidFill>
-                <a:latin typeface="Microsoft JhengHei" panose="020B0604030504040204" pitchFamily="34" charset="-120"/>
-                <a:ea typeface="Microsoft JhengHei" panose="020B0604030504040204" pitchFamily="34" charset="-120"/>
-              </a:rPr>
-              <a:t>不竭用不</a:t>
-            </a:r>
-            <a:r>
-              <a:rPr lang="zh-CN" altLang="zh-TW" sz="5400" b="1" dirty="0">
-                <a:solidFill>
-                  <a:srgbClr val="002060"/>
-                </a:solidFill>
-                <a:latin typeface="Microsoft JhengHei" panose="020B0604030504040204" pitchFamily="34" charset="-120"/>
-                <a:ea typeface="Microsoft JhengHei" panose="020B0604030504040204" pitchFamily="34" charset="-120"/>
-              </a:rPr>
-              <a:t>盡</a:t>
-            </a:r>
-            <a:endParaRPr lang="zh-CN" altLang="zh-TW" sz="5400" b="1" dirty="0">
-              <a:solidFill>
-                <a:srgbClr val="002060"/>
-              </a:solidFill>
-              <a:latin typeface="Microsoft JhengHei" panose="020B0604030504040204" pitchFamily="34" charset="-120"/>
-              <a:ea typeface="Microsoft JhengHei" panose="020B0604030504040204" pitchFamily="34" charset="-120"/>
-            </a:endParaRPr>
-          </a:p>
-        </p:txBody>
-      </p:sp>
-      <p:sp>
-        <p:nvSpPr>
-          <p:cNvPr id="6" name="Text Box 1"/>
-          <p:cNvSpPr txBox="1"/>
-          <p:nvPr/>
-        </p:nvSpPr>
-        <p:spPr>
-          <a:xfrm>
-            <a:off x="407368" y="1772816"/>
-            <a:ext cx="1380490" cy="830997"/>
-          </a:xfrm>
-          <a:prstGeom prst="rect">
-            <a:avLst/>
-          </a:prstGeom>
-          <a:noFill/>
-          <a:ln w="9525">
-            <a:noFill/>
-            <a:miter lim="800000"/>
-          </a:ln>
-        </p:spPr>
-        <p:txBody>
-          <a:bodyPr wrap="square">
-            <a:spAutoFit/>
-          </a:bodyPr>
-          <a:lstStyle/>
-          <a:p>
-            <a:pPr algn="ctr"/>
-            <a:r>
-              <a:rPr lang="en-US" sz="4800" b="1" dirty="0">
-                <a:solidFill>
-                  <a:srgbClr val="002060"/>
-                </a:solidFill>
-              </a:rPr>
-              <a:t>4</a:t>
-            </a:r>
-            <a:r>
-              <a:rPr lang="en-US" sz="4800" b="1" dirty="0" smtClean="0">
-                <a:solidFill>
-                  <a:srgbClr val="002060"/>
-                </a:solidFill>
-              </a:rPr>
-              <a:t>.</a:t>
-            </a:r>
-            <a:endParaRPr lang="en-US" sz="4800" b="1" dirty="0">
-              <a:solidFill>
-                <a:srgbClr val="002060"/>
-              </a:solidFill>
-            </a:endParaRPr>
-          </a:p>
         </p:txBody>
       </p:sp>
     </p:spTree>
     <p:extLst>
       <p:ext uri="{BB962C8B-B14F-4D97-AF65-F5344CB8AC3E}">
-        <p14:creationId xmlns:p14="http://schemas.microsoft.com/office/powerpoint/2010/main" val="1331366041"/>
+        <p14:creationId xmlns:p14="http://schemas.microsoft.com/office/powerpoint/2010/main" val="2839102311"/>
       </p:ext>
     </p:extLst>
   </p:cSld>
   <p:clrMapOvr>
     <a:masterClrMapping/>
   </p:clrMapOvr>
+  <p:timing>
+    <p:tnLst>
+      <p:par>
+        <p:cTn id="1" dur="indefinite" restart="never" nodeType="tmRoot"/>
+      </p:par>
+    </p:tnLst>
+  </p:timing>
 </p:sld>
 </file>
 
@@ -5477,142 +5334,288 @@
       </p:grpSpPr>
       <p:sp>
         <p:nvSpPr>
-          <p:cNvPr id="4" name="Title 3"/>
-          <p:cNvSpPr>
-            <a:spLocks noGrp="1"/>
-          </p:cNvSpPr>
-          <p:nvPr>
-            <p:ph type="title"/>
-          </p:nvPr>
-        </p:nvSpPr>
-        <p:spPr/>
-        <p:txBody>
-          <a:bodyPr>
+          <p:cNvPr id="5" name="內容版面配置區 4"/>
+          <p:cNvSpPr>
+            <a:spLocks noGrp="1"/>
+          </p:cNvSpPr>
+          <p:nvPr>
+            <p:ph idx="1"/>
+          </p:nvPr>
+        </p:nvSpPr>
+        <p:spPr>
+          <a:xfrm>
+            <a:off x="0" y="2084853"/>
+            <a:ext cx="12192000" cy="2404863"/>
+          </a:xfrm>
+        </p:spPr>
+        <p:txBody>
+          <a:bodyPr anchor="ctr">
             <a:normAutofit/>
           </a:bodyPr>
           <a:lstStyle/>
           <a:p>
-            <a:r>
-              <a:rPr lang="en-US" altLang="zh-CN" sz="4800" b="1" dirty="0">
-                <a:solidFill>
-                  <a:srgbClr val="002060"/>
+            <a:pPr marL="0" indent="0" algn="ctr">
+              <a:buNone/>
+            </a:pPr>
+            <a:r>
+              <a:rPr lang="zh-CN" altLang="zh-TW" sz="6400" b="1" dirty="0">
+                <a:solidFill>
+                  <a:srgbClr val="000066"/>
                 </a:solidFill>
                 <a:latin typeface="Microsoft JhengHei" panose="020B0604030504040204" pitchFamily="34" charset="-120"/>
                 <a:ea typeface="Microsoft JhengHei" panose="020B0604030504040204" pitchFamily="34" charset="-120"/>
               </a:rPr>
-              <a:t>【</a:t>
-            </a:r>
-            <a:r>
-              <a:rPr lang="zh-CN" altLang="en-US" sz="4800" b="1" dirty="0">
-                <a:solidFill>
-                  <a:srgbClr val="002060"/>
+              <a:t>願我眾信徒於主前常會面</a:t>
+            </a:r>
+          </a:p>
+          <a:p>
+            <a:pPr marL="0" indent="0" algn="ctr">
+              <a:buNone/>
+            </a:pPr>
+            <a:r>
+              <a:rPr lang="zh-CN" altLang="zh-TW" sz="6400" b="1" dirty="0">
+                <a:solidFill>
+                  <a:srgbClr val="000066"/>
                 </a:solidFill>
                 <a:latin typeface="Microsoft JhengHei" panose="020B0604030504040204" pitchFamily="34" charset="-120"/>
                 <a:ea typeface="Microsoft JhengHei" panose="020B0604030504040204" pitchFamily="34" charset="-120"/>
               </a:rPr>
-              <a:t>彼此代禱</a:t>
-            </a:r>
-            <a:r>
-              <a:rPr lang="en-US" altLang="zh-CN" sz="4800" b="1" dirty="0">
-                <a:solidFill>
-                  <a:srgbClr val="002060"/>
-                </a:solidFill>
-                <a:latin typeface="Microsoft JhengHei" panose="020B0604030504040204" pitchFamily="34" charset="-120"/>
-                <a:ea typeface="Microsoft JhengHei" panose="020B0604030504040204" pitchFamily="34" charset="-120"/>
-              </a:rPr>
-              <a:t>】</a:t>
-            </a:r>
-          </a:p>
-        </p:txBody>
-      </p:sp>
-      <p:sp>
-        <p:nvSpPr>
-          <p:cNvPr id="5" name="Content Placeholder 4"/>
-          <p:cNvSpPr>
-            <a:spLocks noGrp="1"/>
-          </p:cNvSpPr>
-          <p:nvPr>
-            <p:ph idx="1"/>
-          </p:nvPr>
-        </p:nvSpPr>
-        <p:spPr/>
-        <p:txBody>
-          <a:bodyPr>
-            <a:normAutofit/>
+              <a:t>大家憑祈禱在靈裏相通連</a:t>
+            </a:r>
+            <a:endParaRPr lang="en-US" altLang="zh-CN" sz="6400" b="1" dirty="0">
+              <a:solidFill>
+                <a:srgbClr val="000066"/>
+              </a:solidFill>
+              <a:latin typeface="Microsoft JhengHei" panose="020B0604030504040204" pitchFamily="34" charset="-120"/>
+              <a:ea typeface="Microsoft JhengHei" panose="020B0604030504040204" pitchFamily="34" charset="-120"/>
+            </a:endParaRPr>
+          </a:p>
+        </p:txBody>
+      </p:sp>
+      <p:sp>
+        <p:nvSpPr>
+          <p:cNvPr id="3" name="TextBox 2"/>
+          <p:cNvSpPr txBox="1"/>
+          <p:nvPr/>
+        </p:nvSpPr>
+        <p:spPr>
+          <a:xfrm>
+            <a:off x="0" y="5076572"/>
+            <a:ext cx="12192000" cy="830997"/>
+          </a:xfrm>
+          <a:prstGeom prst="rect">
+            <a:avLst/>
+          </a:prstGeom>
+          <a:noFill/>
+        </p:spPr>
+        <p:txBody>
+          <a:bodyPr wrap="square" rtlCol="0" anchor="ctr">
+            <a:spAutoFit/>
           </a:bodyPr>
           <a:lstStyle/>
           <a:p>
-            <a:pPr marL="0" indent="0" algn="ctr">
-              <a:buNone/>
-            </a:pPr>
-            <a:r>
-              <a:rPr lang="zh-CN" altLang="zh-TW" sz="5400" b="1" dirty="0">
-                <a:solidFill>
-                  <a:srgbClr val="002060"/>
-                </a:solidFill>
-                <a:latin typeface="Microsoft JhengHei" panose="020B0604030504040204" pitchFamily="34" charset="-120"/>
-                <a:ea typeface="Microsoft JhengHei" panose="020B0604030504040204" pitchFamily="34" charset="-120"/>
-              </a:rPr>
-              <a:t>我今為你祈求</a:t>
-            </a:r>
-          </a:p>
-          <a:p>
-            <a:pPr marL="0" indent="0" algn="ctr">
-              <a:buNone/>
-            </a:pPr>
-            <a:r>
-              <a:rPr lang="zh-CN" altLang="zh-TW" sz="5400" b="1" dirty="0">
-                <a:solidFill>
-                  <a:srgbClr val="002060"/>
-                </a:solidFill>
-                <a:latin typeface="Microsoft JhengHei" panose="020B0604030504040204" pitchFamily="34" charset="-120"/>
-                <a:ea typeface="Microsoft JhengHei" panose="020B0604030504040204" pitchFamily="34" charset="-120"/>
-              </a:rPr>
-              <a:t>你也為我祈求</a:t>
-            </a:r>
-          </a:p>
-          <a:p>
-            <a:pPr marL="0" indent="0" algn="ctr">
-              <a:buNone/>
-            </a:pPr>
-            <a:r>
-              <a:rPr lang="zh-CN" altLang="zh-TW" sz="5400" b="1" dirty="0">
-                <a:solidFill>
-                  <a:srgbClr val="002060"/>
-                </a:solidFill>
-                <a:latin typeface="Microsoft JhengHei" panose="020B0604030504040204" pitchFamily="34" charset="-120"/>
-                <a:ea typeface="Microsoft JhengHei" panose="020B0604030504040204" pitchFamily="34" charset="-120"/>
-              </a:rPr>
-              <a:t>我們彼此代求</a:t>
-            </a:r>
-          </a:p>
-          <a:p>
-            <a:pPr marL="0" indent="0" algn="ctr">
-              <a:buNone/>
-            </a:pPr>
-            <a:r>
-              <a:rPr lang="zh-CN" altLang="zh-TW" sz="5400" b="1" dirty="0">
-                <a:solidFill>
-                  <a:srgbClr val="002060"/>
-                </a:solidFill>
-                <a:latin typeface="Microsoft JhengHei" panose="020B0604030504040204" pitchFamily="34" charset="-120"/>
-                <a:ea typeface="Microsoft JhengHei" panose="020B0604030504040204" pitchFamily="34" charset="-120"/>
-              </a:rPr>
-              <a:t>代求永不休</a:t>
-            </a:r>
+            <a:pPr algn="ctr"/>
+            <a:r>
+              <a:rPr lang="en-US" sz="4800" b="1" dirty="0">
+                <a:solidFill>
+                  <a:srgbClr val="000066"/>
+                </a:solidFill>
+              </a:rPr>
+              <a:t>( </a:t>
+            </a:r>
+            <a:r>
+              <a:rPr lang="en-US" sz="4800" b="1" dirty="0">
+                <a:solidFill>
+                  <a:srgbClr val="000066"/>
+                </a:solidFill>
+              </a:rPr>
+              <a:t>3 </a:t>
+            </a:r>
+            <a:r>
+              <a:rPr lang="en-US" sz="4800" b="1" dirty="0">
+                <a:solidFill>
+                  <a:srgbClr val="000066"/>
+                </a:solidFill>
+              </a:rPr>
+              <a:t>)</a:t>
+            </a:r>
+            <a:endParaRPr lang="vi-VN" sz="4800" b="1" dirty="0">
+              <a:solidFill>
+                <a:srgbClr val="000066"/>
+              </a:solidFill>
+            </a:endParaRPr>
           </a:p>
         </p:txBody>
       </p:sp>
     </p:spTree>
     <p:extLst>
       <p:ext uri="{BB962C8B-B14F-4D97-AF65-F5344CB8AC3E}">
-        <p14:creationId xmlns:p14="http://schemas.microsoft.com/office/powerpoint/2010/main" val="2336488860"/>
+        <p14:creationId xmlns:p14="http://schemas.microsoft.com/office/powerpoint/2010/main" val="1288813457"/>
       </p:ext>
     </p:extLst>
   </p:cSld>
   <p:clrMapOvr>
     <a:masterClrMapping/>
   </p:clrMapOvr>
+  <p:timing>
+    <p:tnLst>
+      <p:par>
+        <p:cTn id="1" dur="indefinite" restart="never" nodeType="tmRoot"/>
+      </p:par>
+    </p:tnLst>
+  </p:timing>
+</p:sld>
+</file>
+
+<file path=ppt/slides/slide9.xml><?xml version="1.0" encoding="utf-8"?>
+<p:sld xmlns:a="http://schemas.openxmlformats.org/drawingml/2006/main" xmlns:r="http://schemas.openxmlformats.org/officeDocument/2006/relationships" xmlns:p="http://schemas.openxmlformats.org/presentationml/2006/main">
+  <p:cSld>
+    <p:spTree>
+      <p:nvGrpSpPr>
+        <p:cNvPr id="1" name=""/>
+        <p:cNvGrpSpPr/>
+        <p:nvPr/>
+      </p:nvGrpSpPr>
+      <p:grpSpPr>
+        <a:xfrm>
+          <a:off x="0" y="0"/>
+          <a:ext cx="0" cy="0"/>
+          <a:chOff x="0" y="0"/>
+          <a:chExt cx="0" cy="0"/>
+        </a:xfrm>
+      </p:grpSpPr>
+      <p:sp>
+        <p:nvSpPr>
+          <p:cNvPr id="5" name="內容版面配置區 4"/>
+          <p:cNvSpPr>
+            <a:spLocks noGrp="1"/>
+          </p:cNvSpPr>
+          <p:nvPr>
+            <p:ph idx="1"/>
+          </p:nvPr>
+        </p:nvSpPr>
+        <p:spPr>
+          <a:xfrm>
+            <a:off x="0" y="2084853"/>
+            <a:ext cx="12192000" cy="2404863"/>
+          </a:xfrm>
+        </p:spPr>
+        <p:txBody>
+          <a:bodyPr anchor="ctr">
+            <a:normAutofit/>
+          </a:bodyPr>
+          <a:lstStyle/>
+          <a:p>
+            <a:pPr marL="0" indent="0" algn="ctr">
+              <a:buNone/>
+            </a:pPr>
+            <a:r>
+              <a:rPr lang="zh-CN" altLang="zh-TW" sz="6400" b="1" dirty="0">
+                <a:solidFill>
+                  <a:srgbClr val="000066"/>
+                </a:solidFill>
+                <a:latin typeface="Microsoft JhengHei" panose="020B0604030504040204" pitchFamily="34" charset="-120"/>
+                <a:ea typeface="Microsoft JhengHei" panose="020B0604030504040204" pitchFamily="34" charset="-120"/>
+              </a:rPr>
+              <a:t>奇哉聯名代禱所顯的大能力</a:t>
+            </a:r>
+          </a:p>
+          <a:p>
+            <a:pPr marL="0" indent="0" algn="ctr">
+              <a:buNone/>
+            </a:pPr>
+            <a:r>
+              <a:rPr lang="zh-CN" altLang="zh-TW" sz="6400" b="1" dirty="0">
+                <a:solidFill>
+                  <a:srgbClr val="000066"/>
+                </a:solidFill>
+                <a:latin typeface="Microsoft JhengHei" panose="020B0604030504040204" pitchFamily="34" charset="-120"/>
+                <a:ea typeface="Microsoft JhengHei" panose="020B0604030504040204" pitchFamily="34" charset="-120"/>
+              </a:rPr>
+              <a:t>彼此同蒙恩同進步樂無極</a:t>
+            </a:r>
+            <a:endParaRPr lang="zh-CN" altLang="zh-TW" sz="6400" b="1" dirty="0">
+              <a:solidFill>
+                <a:srgbClr val="000066"/>
+              </a:solidFill>
+              <a:latin typeface="Microsoft JhengHei" panose="020B0604030504040204" pitchFamily="34" charset="-120"/>
+              <a:ea typeface="Microsoft JhengHei" panose="020B0604030504040204" pitchFamily="34" charset="-120"/>
+            </a:endParaRPr>
+          </a:p>
+        </p:txBody>
+      </p:sp>
+      <p:sp>
+        <p:nvSpPr>
+          <p:cNvPr id="3" name="TextBox 2"/>
+          <p:cNvSpPr txBox="1"/>
+          <p:nvPr/>
+        </p:nvSpPr>
+        <p:spPr>
+          <a:xfrm>
+            <a:off x="0" y="5076572"/>
+            <a:ext cx="12192000" cy="830997"/>
+          </a:xfrm>
+          <a:prstGeom prst="rect">
+            <a:avLst/>
+          </a:prstGeom>
+          <a:noFill/>
+        </p:spPr>
+        <p:txBody>
+          <a:bodyPr wrap="square" rtlCol="0" anchor="ctr">
+            <a:spAutoFit/>
+          </a:bodyPr>
+          <a:lstStyle/>
+          <a:p>
+            <a:pPr algn="ctr"/>
+            <a:r>
+              <a:rPr lang="en-US" sz="4800" b="1" dirty="0">
+                <a:solidFill>
+                  <a:srgbClr val="000066"/>
+                </a:solidFill>
+              </a:rPr>
+              <a:t>( </a:t>
+            </a:r>
+            <a:r>
+              <a:rPr lang="en-US" sz="4800" b="1" dirty="0">
+                <a:solidFill>
+                  <a:srgbClr val="000066"/>
+                </a:solidFill>
+              </a:rPr>
+              <a:t>3 </a:t>
+            </a:r>
+            <a:r>
+              <a:rPr lang="en-US" sz="4800" b="1" dirty="0">
+                <a:solidFill>
+                  <a:srgbClr val="000066"/>
+                </a:solidFill>
+              </a:rPr>
+              <a:t>)</a:t>
+            </a:r>
+            <a:endParaRPr lang="vi-VN" sz="4800" b="1" dirty="0">
+              <a:solidFill>
+                <a:srgbClr val="000066"/>
+              </a:solidFill>
+            </a:endParaRPr>
+          </a:p>
+        </p:txBody>
+      </p:sp>
+    </p:spTree>
+    <p:extLst>
+      <p:ext uri="{BB962C8B-B14F-4D97-AF65-F5344CB8AC3E}">
+        <p14:creationId xmlns:p14="http://schemas.microsoft.com/office/powerpoint/2010/main" val="3569361416"/>
+      </p:ext>
+    </p:extLst>
+  </p:cSld>
+  <p:clrMapOvr>
+    <a:masterClrMapping/>
+  </p:clrMapOvr>
+  <p:timing>
+    <p:tnLst>
+      <p:par>
+        <p:cTn id="1" dur="indefinite" restart="never" nodeType="tmRoot"/>
+      </p:par>
+    </p:tnLst>
+  </p:timing>
 </p:sld>
 </file>
 
